--- a/Dokumentation/Präsentation.pptx
+++ b/Dokumentation/Präsentation.pptx
@@ -5,7 +5,7 @@
     <p:sldMasterId id="2147483660" r:id="rId1"/>
   </p:sldMasterIdLst>
   <p:notesMasterIdLst>
-    <p:notesMasterId r:id="rId8"/>
+    <p:notesMasterId r:id="rId9"/>
   </p:notesMasterIdLst>
   <p:sldIdLst>
     <p:sldId id="256" r:id="rId2"/>
@@ -14,6 +14,7 @@
     <p:sldId id="258" r:id="rId5"/>
     <p:sldId id="260" r:id="rId6"/>
     <p:sldId id="261" r:id="rId7"/>
+    <p:sldId id="262" r:id="rId8"/>
   </p:sldIdLst>
   <p:sldSz cx="12192000" cy="6858000"/>
   <p:notesSz cx="6858000" cy="9144000"/>
@@ -457,7 +458,7 @@
           <a:p>
             <a:fld id="{5CB0383F-276E-594D-B692-B1F3CB76A8CF}" type="datetimeFigureOut">
               <a:rPr lang="de-AT" smtClean="0"/>
-              <a:t>18.01.24</a:t>
+              <a:t>23.01.2024</a:t>
             </a:fld>
             <a:endParaRPr lang="de-AT"/>
           </a:p>
@@ -978,7 +979,7 @@
           <a:p>
             <a:fld id="{DE54C2E3-43D0-0F4B-95D2-FADEC5486F79}" type="datetimeFigureOut">
               <a:rPr lang="de-AT" smtClean="0"/>
-              <a:t>18.01.24</a:t>
+              <a:t>23.01.2024</a:t>
             </a:fld>
             <a:endParaRPr lang="de-AT"/>
           </a:p>
@@ -1308,7 +1309,7 @@
           <a:p>
             <a:fld id="{DE54C2E3-43D0-0F4B-95D2-FADEC5486F79}" type="datetimeFigureOut">
               <a:rPr lang="de-AT" smtClean="0"/>
-              <a:t>18.01.24</a:t>
+              <a:t>23.01.2024</a:t>
             </a:fld>
             <a:endParaRPr lang="de-AT"/>
           </a:p>
@@ -1488,7 +1489,7 @@
           <a:p>
             <a:fld id="{DE54C2E3-43D0-0F4B-95D2-FADEC5486F79}" type="datetimeFigureOut">
               <a:rPr lang="de-AT" smtClean="0"/>
-              <a:t>18.01.24</a:t>
+              <a:t>23.01.2024</a:t>
             </a:fld>
             <a:endParaRPr lang="de-AT"/>
           </a:p>
@@ -1658,7 +1659,7 @@
           <a:p>
             <a:fld id="{DE54C2E3-43D0-0F4B-95D2-FADEC5486F79}" type="datetimeFigureOut">
               <a:rPr lang="de-AT" smtClean="0"/>
-              <a:t>18.01.24</a:t>
+              <a:t>23.01.2024</a:t>
             </a:fld>
             <a:endParaRPr lang="de-AT"/>
           </a:p>
@@ -1935,7 +1936,7 @@
           <a:p>
             <a:fld id="{DE54C2E3-43D0-0F4B-95D2-FADEC5486F79}" type="datetimeFigureOut">
               <a:rPr lang="de-AT" smtClean="0"/>
-              <a:t>18.01.24</a:t>
+              <a:t>23.01.2024</a:t>
             </a:fld>
             <a:endParaRPr lang="de-AT"/>
           </a:p>
@@ -2329,7 +2330,7 @@
           <a:p>
             <a:fld id="{DE54C2E3-43D0-0F4B-95D2-FADEC5486F79}" type="datetimeFigureOut">
               <a:rPr lang="de-AT" smtClean="0"/>
-              <a:t>18.01.24</a:t>
+              <a:t>23.01.2024</a:t>
             </a:fld>
             <a:endParaRPr lang="de-AT"/>
           </a:p>
@@ -2806,7 +2807,7 @@
           <a:p>
             <a:fld id="{DE54C2E3-43D0-0F4B-95D2-FADEC5486F79}" type="datetimeFigureOut">
               <a:rPr lang="de-AT" smtClean="0"/>
-              <a:t>18.01.24</a:t>
+              <a:t>23.01.2024</a:t>
             </a:fld>
             <a:endParaRPr lang="de-AT"/>
           </a:p>
@@ -2924,7 +2925,7 @@
           <a:p>
             <a:fld id="{DE54C2E3-43D0-0F4B-95D2-FADEC5486F79}" type="datetimeFigureOut">
               <a:rPr lang="de-AT" smtClean="0"/>
-              <a:t>18.01.24</a:t>
+              <a:t>23.01.2024</a:t>
             </a:fld>
             <a:endParaRPr lang="de-AT"/>
           </a:p>
@@ -3019,7 +3020,7 @@
           <a:p>
             <a:fld id="{DE54C2E3-43D0-0F4B-95D2-FADEC5486F79}" type="datetimeFigureOut">
               <a:rPr lang="de-AT" smtClean="0"/>
-              <a:t>18.01.24</a:t>
+              <a:t>23.01.2024</a:t>
             </a:fld>
             <a:endParaRPr lang="de-AT"/>
           </a:p>
@@ -3365,7 +3366,7 @@
           <a:p>
             <a:fld id="{DE54C2E3-43D0-0F4B-95D2-FADEC5486F79}" type="datetimeFigureOut">
               <a:rPr lang="de-AT" smtClean="0"/>
-              <a:t>18.01.24</a:t>
+              <a:t>23.01.2024</a:t>
             </a:fld>
             <a:endParaRPr lang="de-AT"/>
           </a:p>
@@ -3753,7 +3754,7 @@
           <a:p>
             <a:fld id="{DE54C2E3-43D0-0F4B-95D2-FADEC5486F79}" type="datetimeFigureOut">
               <a:rPr lang="de-AT" smtClean="0"/>
-              <a:t>18.01.24</a:t>
+              <a:t>23.01.2024</a:t>
             </a:fld>
             <a:endParaRPr lang="de-AT"/>
           </a:p>
@@ -4031,7 +4032,7 @@
           <a:p>
             <a:fld id="{DE54C2E3-43D0-0F4B-95D2-FADEC5486F79}" type="datetimeFigureOut">
               <a:rPr lang="de-AT" smtClean="0"/>
-              <a:t>18.01.24</a:t>
+              <a:t>23.01.2024</a:t>
             </a:fld>
             <a:endParaRPr lang="de-AT"/>
           </a:p>
@@ -5315,6 +5316,94 @@
     <p:extLst>
       <p:ext uri="{BB962C8B-B14F-4D97-AF65-F5344CB8AC3E}">
         <p14:creationId xmlns:p14="http://schemas.microsoft.com/office/powerpoint/2010/main" val="1080282918"/>
+      </p:ext>
+    </p:extLst>
+  </p:cSld>
+  <p:clrMapOvr>
+    <a:masterClrMapping/>
+  </p:clrMapOvr>
+</p:sld>
+</file>
+
+<file path=ppt/slides/slide7.xml><?xml version="1.0" encoding="utf-8"?>
+<p:sld xmlns:a="http://schemas.openxmlformats.org/drawingml/2006/main" xmlns:r="http://schemas.openxmlformats.org/officeDocument/2006/relationships" xmlns:p="http://schemas.openxmlformats.org/presentationml/2006/main">
+  <p:cSld>
+    <p:spTree>
+      <p:nvGrpSpPr>
+        <p:cNvPr id="1" name=""/>
+        <p:cNvGrpSpPr/>
+        <p:nvPr/>
+      </p:nvGrpSpPr>
+      <p:grpSpPr>
+        <a:xfrm>
+          <a:off x="0" y="0"/>
+          <a:ext cx="0" cy="0"/>
+          <a:chOff x="0" y="0"/>
+          <a:chExt cx="0" cy="0"/>
+        </a:xfrm>
+      </p:grpSpPr>
+      <p:sp>
+        <p:nvSpPr>
+          <p:cNvPr id="2" name="Titel 1">
+            <a:extLst>
+              <a:ext uri="{FF2B5EF4-FFF2-40B4-BE49-F238E27FC236}">
+                <a16:creationId xmlns:a16="http://schemas.microsoft.com/office/drawing/2014/main" id="{474BA23B-475D-8065-8536-D916F70B9520}"/>
+              </a:ext>
+            </a:extLst>
+          </p:cNvPr>
+          <p:cNvSpPr>
+            <a:spLocks noGrp="1"/>
+          </p:cNvSpPr>
+          <p:nvPr>
+            <p:ph type="title"/>
+          </p:nvPr>
+        </p:nvSpPr>
+        <p:spPr/>
+        <p:txBody>
+          <a:bodyPr/>
+          <a:lstStyle/>
+          <a:p>
+            <a:r>
+              <a:rPr lang="de-AT" dirty="0"/>
+              <a:t>Räume System</a:t>
+            </a:r>
+          </a:p>
+        </p:txBody>
+      </p:sp>
+      <p:pic>
+        <p:nvPicPr>
+          <p:cNvPr id="4" name="Grafik 3">
+            <a:extLst>
+              <a:ext uri="{FF2B5EF4-FFF2-40B4-BE49-F238E27FC236}">
+                <a16:creationId xmlns:a16="http://schemas.microsoft.com/office/drawing/2014/main" id="{104BDDEB-CCC5-8D43-9624-9E0B58CA085A}"/>
+              </a:ext>
+            </a:extLst>
+          </p:cNvPr>
+          <p:cNvPicPr>
+            <a:picLocks noChangeAspect="1"/>
+          </p:cNvPicPr>
+          <p:nvPr/>
+        </p:nvPicPr>
+        <p:blipFill>
+          <a:blip r:embed="rId2"/>
+          <a:stretch>
+            <a:fillRect/>
+          </a:stretch>
+        </p:blipFill>
+        <p:spPr>
+          <a:xfrm>
+            <a:off x="722376" y="2635853"/>
+            <a:ext cx="11387328" cy="1586294"/>
+          </a:xfrm>
+          <a:prstGeom prst="rect">
+            <a:avLst/>
+          </a:prstGeom>
+        </p:spPr>
+      </p:pic>
+    </p:spTree>
+    <p:extLst>
+      <p:ext uri="{BB962C8B-B14F-4D97-AF65-F5344CB8AC3E}">
+        <p14:creationId xmlns:p14="http://schemas.microsoft.com/office/powerpoint/2010/main" val="482808688"/>
       </p:ext>
     </p:extLst>
   </p:cSld>

--- a/Dokumentation/Präsentation.pptx
+++ b/Dokumentation/Präsentation.pptx
@@ -2,19 +2,21 @@
 <file path=ppt/presentation.xml><?xml version="1.0" encoding="utf-8"?>
 <p:presentation xmlns:a="http://schemas.openxmlformats.org/drawingml/2006/main" xmlns:r="http://schemas.openxmlformats.org/officeDocument/2006/relationships" xmlns:p="http://schemas.openxmlformats.org/presentationml/2006/main" saveSubsetFonts="1" autoCompressPictures="0">
   <p:sldMasterIdLst>
-    <p:sldMasterId id="2147483660" r:id="rId1"/>
+    <p:sldMasterId id="2147483696" r:id="rId1"/>
   </p:sldMasterIdLst>
   <p:notesMasterIdLst>
-    <p:notesMasterId r:id="rId9"/>
+    <p:notesMasterId r:id="rId11"/>
   </p:notesMasterIdLst>
   <p:sldIdLst>
     <p:sldId id="256" r:id="rId2"/>
     <p:sldId id="257" r:id="rId3"/>
-    <p:sldId id="259" r:id="rId4"/>
-    <p:sldId id="258" r:id="rId5"/>
-    <p:sldId id="260" r:id="rId6"/>
-    <p:sldId id="261" r:id="rId7"/>
-    <p:sldId id="262" r:id="rId8"/>
+    <p:sldId id="263" r:id="rId4"/>
+    <p:sldId id="259" r:id="rId5"/>
+    <p:sldId id="258" r:id="rId6"/>
+    <p:sldId id="260" r:id="rId7"/>
+    <p:sldId id="261" r:id="rId8"/>
+    <p:sldId id="262" r:id="rId9"/>
+    <p:sldId id="264" r:id="rId10"/>
   </p:sldIdLst>
   <p:sldSz cx="12192000" cy="6858000"/>
   <p:notesSz cx="6858000" cy="9144000"/>
@@ -458,7 +460,7 @@
           <a:p>
             <a:fld id="{5CB0383F-276E-594D-B692-B1F3CB76A8CF}" type="datetimeFigureOut">
               <a:rPr lang="de-AT" smtClean="0"/>
-              <a:t>23.01.2024</a:t>
+              <a:t>24.01.24</a:t>
             </a:fld>
             <a:endParaRPr lang="de-AT"/>
           </a:p>
@@ -791,7 +793,7 @@
           <a:p>
             <a:fld id="{62E929B0-3BB2-0745-8DDE-18DAD66A5777}" type="slidenum">
               <a:rPr lang="de-AT" smtClean="0"/>
-              <a:t>6</a:t>
+              <a:t>7</a:t>
             </a:fld>
             <a:endParaRPr lang="de-AT"/>
           </a:p>
@@ -811,16 +813,8 @@
 </file>
 
 <file path=ppt/slideLayouts/slideLayout1.xml><?xml version="1.0" encoding="utf-8"?>
-<p:sldLayout xmlns:a="http://schemas.openxmlformats.org/drawingml/2006/main" xmlns:r="http://schemas.openxmlformats.org/officeDocument/2006/relationships" xmlns:p="http://schemas.openxmlformats.org/presentationml/2006/main" showMasterSp="0" type="title" preserve="1">
+<p:sldLayout xmlns:a="http://schemas.openxmlformats.org/drawingml/2006/main" xmlns:r="http://schemas.openxmlformats.org/officeDocument/2006/relationships" xmlns:p="http://schemas.openxmlformats.org/presentationml/2006/main" type="title" preserve="1">
   <p:cSld name="Titelfolie">
-    <p:bg>
-      <p:bgPr>
-        <a:solidFill>
-          <a:schemeClr val="bg2"/>
-        </a:solidFill>
-        <a:effectLst/>
-      </p:bgPr>
-    </p:bg>
     <p:spTree>
       <p:nvGrpSpPr>
         <p:cNvPr id="1" name=""/>
@@ -847,21 +841,15 @@
         </p:nvSpPr>
         <p:spPr>
           <a:xfrm>
-            <a:off x="1915128" y="1788454"/>
-            <a:ext cx="8361229" cy="2098226"/>
+            <a:off x="1524000" y="1122363"/>
+            <a:ext cx="9144000" cy="2387600"/>
           </a:xfrm>
         </p:spPr>
         <p:txBody>
-          <a:bodyPr anchor="b">
-            <a:noAutofit/>
-          </a:bodyPr>
+          <a:bodyPr anchor="b"/>
           <a:lstStyle>
             <a:lvl1pPr algn="ctr">
-              <a:defRPr sz="7200" cap="all" baseline="0">
-                <a:solidFill>
-                  <a:schemeClr val="tx2"/>
-                </a:solidFill>
-              </a:defRPr>
+              <a:defRPr sz="6000"/>
             </a:lvl1pPr>
           </a:lstStyle>
           <a:p>
@@ -885,27 +873,16 @@
         </p:nvSpPr>
         <p:spPr>
           <a:xfrm>
-            <a:off x="2679906" y="3956279"/>
-            <a:ext cx="6831673" cy="1086237"/>
+            <a:off x="1524000" y="3602038"/>
+            <a:ext cx="9144000" cy="1655762"/>
           </a:xfrm>
         </p:spPr>
         <p:txBody>
-          <a:bodyPr>
-            <a:normAutofit/>
-          </a:bodyPr>
+          <a:bodyPr/>
           <a:lstStyle>
             <a:lvl1pPr marL="0" indent="0" algn="ctr">
-              <a:lnSpc>
-                <a:spcPct val="112000"/>
-              </a:lnSpc>
-              <a:spcBef>
-                <a:spcPts val="0"/>
-              </a:spcBef>
-              <a:spcAft>
-                <a:spcPts val="0"/>
-              </a:spcAft>
-              <a:buNone/>
-              <a:defRPr sz="2300"/>
+              <a:buNone/>
+              <a:defRPr sz="2400"/>
             </a:lvl1pPr>
             <a:lvl2pPr marL="457200" indent="0" algn="ctr">
               <a:buNone/>
@@ -959,27 +936,14 @@
             <p:ph type="dt" sz="half" idx="10"/>
           </p:nvPr>
         </p:nvSpPr>
-        <p:spPr>
-          <a:xfrm>
-            <a:off x="752858" y="6453386"/>
-            <a:ext cx="1607944" cy="404614"/>
-          </a:xfrm>
-        </p:spPr>
-        <p:txBody>
-          <a:bodyPr/>
-          <a:lstStyle>
-            <a:lvl1pPr>
-              <a:defRPr baseline="0">
-                <a:solidFill>
-                  <a:schemeClr val="tx2"/>
-                </a:solidFill>
-              </a:defRPr>
-            </a:lvl1pPr>
-          </a:lstStyle>
+        <p:spPr/>
+        <p:txBody>
+          <a:bodyPr/>
+          <a:lstStyle/>
           <a:p>
             <a:fld id="{DE54C2E3-43D0-0F4B-95D2-FADEC5486F79}" type="datetimeFigureOut">
               <a:rPr lang="de-AT" smtClean="0"/>
-              <a:t>23.01.2024</a:t>
+              <a:t>24.01.24</a:t>
             </a:fld>
             <a:endParaRPr lang="de-AT"/>
           </a:p>
@@ -995,23 +959,10 @@
             <p:ph type="ftr" sz="quarter" idx="11"/>
           </p:nvPr>
         </p:nvSpPr>
-        <p:spPr>
-          <a:xfrm>
-            <a:off x="2584054" y="6453386"/>
-            <a:ext cx="7023377" cy="404614"/>
-          </a:xfrm>
-        </p:spPr>
-        <p:txBody>
-          <a:bodyPr/>
-          <a:lstStyle>
-            <a:lvl1pPr algn="ctr">
-              <a:defRPr baseline="0">
-                <a:solidFill>
-                  <a:schemeClr val="tx2"/>
-                </a:solidFill>
-              </a:defRPr>
-            </a:lvl1pPr>
-          </a:lstStyle>
+        <p:spPr/>
+        <p:txBody>
+          <a:bodyPr/>
+          <a:lstStyle/>
           <a:p>
             <a:endParaRPr lang="de-AT"/>
           </a:p>
@@ -1027,23 +978,10 @@
             <p:ph type="sldNum" sz="quarter" idx="12"/>
           </p:nvPr>
         </p:nvSpPr>
-        <p:spPr>
-          <a:xfrm>
-            <a:off x="9830683" y="6453386"/>
-            <a:ext cx="1596292" cy="404614"/>
-          </a:xfrm>
-        </p:spPr>
-        <p:txBody>
-          <a:bodyPr/>
-          <a:lstStyle>
-            <a:lvl1pPr>
-              <a:defRPr baseline="0">
-                <a:solidFill>
-                  <a:schemeClr val="tx2"/>
-                </a:solidFill>
-              </a:defRPr>
-            </a:lvl1pPr>
-          </a:lstStyle>
+        <p:spPr/>
+        <p:txBody>
+          <a:bodyPr/>
+          <a:lstStyle/>
           <a:p>
             <a:fld id="{B85809FB-E6A2-EB41-A7F1-890DF4AABD76}" type="slidenum">
               <a:rPr lang="de-AT" smtClean="0"/>
@@ -1053,144 +991,15 @@
           </a:p>
         </p:txBody>
       </p:sp>
-      <p:grpSp>
-        <p:nvGrpSpPr>
-          <p:cNvPr id="7" name="Group 6"/>
-          <p:cNvGrpSpPr/>
-          <p:nvPr/>
-        </p:nvGrpSpPr>
-        <p:grpSpPr>
-          <a:xfrm>
-            <a:off x="752858" y="744469"/>
-            <a:ext cx="10674117" cy="5349671"/>
-            <a:chOff x="752858" y="744469"/>
-            <a:chExt cx="10674117" cy="5349671"/>
-          </a:xfrm>
-        </p:grpSpPr>
-        <p:sp>
-          <p:nvSpPr>
-            <p:cNvPr id="11" name="Freeform 6"/>
-            <p:cNvSpPr/>
-            <p:nvPr/>
-          </p:nvSpPr>
-          <p:spPr bwMode="auto">
-            <a:xfrm>
-              <a:off x="8151962" y="1685652"/>
-              <a:ext cx="3275013" cy="4408488"/>
-            </a:xfrm>
-            <a:custGeom>
-              <a:avLst/>
-              <a:gdLst/>
-              <a:ahLst/>
-              <a:cxnLst/>
-              <a:rect l="l" t="t" r="r" b="b"/>
-              <a:pathLst>
-                <a:path w="10000" h="10000">
-                  <a:moveTo>
-                    <a:pt x="8761" y="0"/>
-                  </a:moveTo>
-                  <a:lnTo>
-                    <a:pt x="10000" y="0"/>
-                  </a:lnTo>
-                  <a:lnTo>
-                    <a:pt x="10000" y="10000"/>
-                  </a:lnTo>
-                  <a:lnTo>
-                    <a:pt x="0" y="10000"/>
-                  </a:lnTo>
-                  <a:lnTo>
-                    <a:pt x="0" y="9126"/>
-                  </a:lnTo>
-                  <a:lnTo>
-                    <a:pt x="8761" y="9127"/>
-                  </a:lnTo>
-                  <a:lnTo>
-                    <a:pt x="8761" y="0"/>
-                  </a:lnTo>
-                  <a:close/>
-                </a:path>
-              </a:pathLst>
-            </a:custGeom>
-            <a:solidFill>
-              <a:schemeClr val="tx2"/>
-            </a:solidFill>
-            <a:ln w="0">
-              <a:noFill/>
-              <a:prstDash val="solid"/>
-              <a:round/>
-              <a:headEnd/>
-              <a:tailEnd/>
-            </a:ln>
-          </p:spPr>
-        </p:sp>
-        <p:sp>
-          <p:nvSpPr>
-            <p:cNvPr id="14" name="Freeform 6"/>
-            <p:cNvSpPr/>
-            <p:nvPr/>
-          </p:nvSpPr>
-          <p:spPr bwMode="auto">
-            <a:xfrm flipH="1" flipV="1">
-              <a:off x="752858" y="744469"/>
-              <a:ext cx="3275668" cy="4408488"/>
-            </a:xfrm>
-            <a:custGeom>
-              <a:avLst/>
-              <a:gdLst/>
-              <a:ahLst/>
-              <a:cxnLst/>
-              <a:rect l="l" t="t" r="r" b="b"/>
-              <a:pathLst>
-                <a:path w="10002" h="10000">
-                  <a:moveTo>
-                    <a:pt x="8763" y="0"/>
-                  </a:moveTo>
-                  <a:lnTo>
-                    <a:pt x="10002" y="0"/>
-                  </a:lnTo>
-                  <a:lnTo>
-                    <a:pt x="10002" y="10000"/>
-                  </a:lnTo>
-                  <a:lnTo>
-                    <a:pt x="2" y="10000"/>
-                  </a:lnTo>
-                  <a:cubicBezTo>
-                    <a:pt x="-2" y="9698"/>
-                    <a:pt x="4" y="9427"/>
-                    <a:pt x="0" y="9125"/>
-                  </a:cubicBezTo>
-                  <a:lnTo>
-                    <a:pt x="8763" y="9128"/>
-                  </a:lnTo>
-                  <a:lnTo>
-                    <a:pt x="8763" y="0"/>
-                  </a:lnTo>
-                  <a:close/>
-                </a:path>
-              </a:pathLst>
-            </a:custGeom>
-            <a:solidFill>
-              <a:schemeClr val="tx2"/>
-            </a:solidFill>
-            <a:ln w="0">
-              <a:noFill/>
-              <a:prstDash val="solid"/>
-              <a:round/>
-              <a:headEnd/>
-              <a:tailEnd/>
-            </a:ln>
-          </p:spPr>
-        </p:sp>
-      </p:grpSp>
     </p:spTree>
     <p:extLst>
       <p:ext uri="{BB962C8B-B14F-4D97-AF65-F5344CB8AC3E}">
-        <p14:creationId xmlns:p14="http://schemas.microsoft.com/office/powerpoint/2010/main" val="904861080"/>
+        <p14:creationId xmlns:p14="http://schemas.microsoft.com/office/powerpoint/2010/main" val="2695350922"/>
       </p:ext>
     </p:extLst>
   </p:cSld>
   <p:clrMapOvr>
-    <a:overrideClrMapping bg1="lt1" tx1="dk1" bg2="lt2" tx2="dk2" accent1="accent1" accent2="accent2" accent3="accent3" accent4="accent4" accent5="accent5" accent6="accent6" hlink="hlink" folHlink="folHlink"/>
+    <a:masterClrMapping/>
   </p:clrMapOvr>
 </p:sldLayout>
 </file>
@@ -1245,12 +1054,7 @@
             <p:ph type="body" orient="vert" idx="1"/>
           </p:nvPr>
         </p:nvSpPr>
-        <p:spPr>
-          <a:xfrm>
-            <a:off x="1371600" y="2295525"/>
-            <a:ext cx="9601200" cy="3571875"/>
-          </a:xfrm>
-        </p:spPr>
+        <p:spPr/>
         <p:txBody>
           <a:bodyPr vert="eaVert"/>
           <a:lstStyle/>
@@ -1309,7 +1113,7 @@
           <a:p>
             <a:fld id="{DE54C2E3-43D0-0F4B-95D2-FADEC5486F79}" type="datetimeFigureOut">
               <a:rPr lang="de-AT" smtClean="0"/>
-              <a:t>23.01.2024</a:t>
+              <a:t>24.01.24</a:t>
             </a:fld>
             <a:endParaRPr lang="de-AT"/>
           </a:p>
@@ -1360,7 +1164,7 @@
     </p:spTree>
     <p:extLst>
       <p:ext uri="{BB962C8B-B14F-4D97-AF65-F5344CB8AC3E}">
-        <p14:creationId xmlns:p14="http://schemas.microsoft.com/office/powerpoint/2010/main" val="3180443833"/>
+        <p14:creationId xmlns:p14="http://schemas.microsoft.com/office/powerpoint/2010/main" val="3643507903"/>
       </p:ext>
     </p:extLst>
   </p:cSld>
@@ -1399,8 +1203,8 @@
         </p:nvSpPr>
         <p:spPr>
           <a:xfrm>
-            <a:off x="9596561" y="624156"/>
-            <a:ext cx="1565766" cy="5243244"/>
+            <a:off x="8724900" y="365125"/>
+            <a:ext cx="2628900" cy="5811838"/>
           </a:xfrm>
         </p:spPr>
         <p:txBody>
@@ -1427,8 +1231,8 @@
         </p:nvSpPr>
         <p:spPr>
           <a:xfrm>
-            <a:off x="1371600" y="624156"/>
-            <a:ext cx="8179641" cy="5243244"/>
+            <a:off x="838200" y="365125"/>
+            <a:ext cx="7734300" cy="5811838"/>
           </a:xfrm>
         </p:spPr>
         <p:txBody>
@@ -1489,7 +1293,7 @@
           <a:p>
             <a:fld id="{DE54C2E3-43D0-0F4B-95D2-FADEC5486F79}" type="datetimeFigureOut">
               <a:rPr lang="de-AT" smtClean="0"/>
-              <a:t>23.01.2024</a:t>
+              <a:t>24.01.24</a:t>
             </a:fld>
             <a:endParaRPr lang="de-AT"/>
           </a:p>
@@ -1540,7 +1344,7 @@
     </p:spTree>
     <p:extLst>
       <p:ext uri="{BB962C8B-B14F-4D97-AF65-F5344CB8AC3E}">
-        <p14:creationId xmlns:p14="http://schemas.microsoft.com/office/powerpoint/2010/main" val="4078384783"/>
+        <p14:creationId xmlns:p14="http://schemas.microsoft.com/office/powerpoint/2010/main" val="498137184"/>
       </p:ext>
     </p:extLst>
   </p:cSld>
@@ -1659,7 +1463,7 @@
           <a:p>
             <a:fld id="{DE54C2E3-43D0-0F4B-95D2-FADEC5486F79}" type="datetimeFigureOut">
               <a:rPr lang="de-AT" smtClean="0"/>
-              <a:t>23.01.2024</a:t>
+              <a:t>24.01.24</a:t>
             </a:fld>
             <a:endParaRPr lang="de-AT"/>
           </a:p>
@@ -1710,7 +1514,7 @@
     </p:spTree>
     <p:extLst>
       <p:ext uri="{BB962C8B-B14F-4D97-AF65-F5344CB8AC3E}">
-        <p14:creationId xmlns:p14="http://schemas.microsoft.com/office/powerpoint/2010/main" val="962195972"/>
+        <p14:creationId xmlns:p14="http://schemas.microsoft.com/office/powerpoint/2010/main" val="3650163374"/>
       </p:ext>
     </p:extLst>
   </p:cSld>
@@ -1721,13 +1525,8 @@
 </file>
 
 <file path=ppt/slideLayouts/slideLayout3.xml><?xml version="1.0" encoding="utf-8"?>
-<p:sldLayout xmlns:a="http://schemas.openxmlformats.org/drawingml/2006/main" xmlns:r="http://schemas.openxmlformats.org/officeDocument/2006/relationships" xmlns:p="http://schemas.openxmlformats.org/presentationml/2006/main" showMasterSp="0" type="secHead" preserve="1">
+<p:sldLayout xmlns:a="http://schemas.openxmlformats.org/drawingml/2006/main" xmlns:r="http://schemas.openxmlformats.org/officeDocument/2006/relationships" xmlns:p="http://schemas.openxmlformats.org/presentationml/2006/main" type="secHead" preserve="1">
   <p:cSld name="Abschnitts-&#10;überschrift">
-    <p:bg>
-      <p:bgRef idx="1001">
-        <a:schemeClr val="bg2"/>
-      </p:bgRef>
-    </p:bg>
     <p:spTree>
       <p:nvGrpSpPr>
         <p:cNvPr id="1" name=""/>
@@ -1754,21 +1553,15 @@
         </p:nvSpPr>
         <p:spPr>
           <a:xfrm>
-            <a:off x="765025" y="1301360"/>
-            <a:ext cx="9612971" cy="2852737"/>
+            <a:off x="831850" y="1709738"/>
+            <a:ext cx="10515600" cy="2852737"/>
           </a:xfrm>
         </p:spPr>
         <p:txBody>
-          <a:bodyPr anchor="b">
-            <a:normAutofit/>
-          </a:bodyPr>
+          <a:bodyPr anchor="b"/>
           <a:lstStyle>
-            <a:lvl1pPr algn="r">
-              <a:defRPr sz="7200" cap="all" baseline="0">
-                <a:solidFill>
-                  <a:schemeClr val="tx2"/>
-                </a:solidFill>
-              </a:defRPr>
+            <a:lvl1pPr>
+              <a:defRPr sz="6000"/>
             </a:lvl1pPr>
           </a:lstStyle>
           <a:p>
@@ -1792,27 +1585,20 @@
         </p:nvSpPr>
         <p:spPr>
           <a:xfrm>
-            <a:off x="765025" y="4216328"/>
-            <a:ext cx="9612971" cy="1143324"/>
+            <a:off x="831850" y="4589463"/>
+            <a:ext cx="10515600" cy="1500187"/>
           </a:xfrm>
         </p:spPr>
         <p:txBody>
           <a:bodyPr/>
           <a:lstStyle>
-            <a:lvl1pPr marL="0" indent="0" algn="r">
-              <a:lnSpc>
-                <a:spcPct val="112000"/>
-              </a:lnSpc>
-              <a:spcBef>
-                <a:spcPts val="0"/>
-              </a:spcBef>
-              <a:spcAft>
-                <a:spcPts val="0"/>
-              </a:spcAft>
+            <a:lvl1pPr marL="0" indent="0">
               <a:buNone/>
               <a:defRPr sz="2400">
                 <a:solidFill>
-                  <a:schemeClr val="tx2"/>
+                  <a:schemeClr val="tx1">
+                    <a:tint val="75000"/>
+                  </a:schemeClr>
                 </a:solidFill>
               </a:defRPr>
             </a:lvl1pPr>
@@ -1916,27 +1702,14 @@
             <p:ph type="dt" sz="half" idx="10"/>
           </p:nvPr>
         </p:nvSpPr>
-        <p:spPr>
-          <a:xfrm>
-            <a:off x="738908" y="6453386"/>
-            <a:ext cx="1622409" cy="404614"/>
-          </a:xfrm>
-        </p:spPr>
-        <p:txBody>
-          <a:bodyPr/>
-          <a:lstStyle>
-            <a:lvl1pPr>
-              <a:defRPr>
-                <a:solidFill>
-                  <a:schemeClr val="tx2"/>
-                </a:solidFill>
-              </a:defRPr>
-            </a:lvl1pPr>
-          </a:lstStyle>
+        <p:spPr/>
+        <p:txBody>
+          <a:bodyPr/>
+          <a:lstStyle/>
           <a:p>
             <a:fld id="{DE54C2E3-43D0-0F4B-95D2-FADEC5486F79}" type="datetimeFigureOut">
               <a:rPr lang="de-AT" smtClean="0"/>
-              <a:t>23.01.2024</a:t>
+              <a:t>24.01.24</a:t>
             </a:fld>
             <a:endParaRPr lang="de-AT"/>
           </a:p>
@@ -1952,23 +1725,10 @@
             <p:ph type="ftr" sz="quarter" idx="11"/>
           </p:nvPr>
         </p:nvSpPr>
-        <p:spPr>
-          <a:xfrm>
-            <a:off x="2584312" y="6453386"/>
-            <a:ext cx="7023377" cy="404614"/>
-          </a:xfrm>
-        </p:spPr>
-        <p:txBody>
-          <a:bodyPr/>
-          <a:lstStyle>
-            <a:lvl1pPr algn="ctr">
-              <a:defRPr>
-                <a:solidFill>
-                  <a:schemeClr val="tx2"/>
-                </a:solidFill>
-              </a:defRPr>
-            </a:lvl1pPr>
-          </a:lstStyle>
+        <p:spPr/>
+        <p:txBody>
+          <a:bodyPr/>
+          <a:lstStyle/>
           <a:p>
             <a:endParaRPr lang="de-AT"/>
           </a:p>
@@ -1984,23 +1744,10 @@
             <p:ph type="sldNum" sz="quarter" idx="12"/>
           </p:nvPr>
         </p:nvSpPr>
-        <p:spPr>
-          <a:xfrm>
-            <a:off x="9830683" y="6453386"/>
-            <a:ext cx="1596292" cy="404614"/>
-          </a:xfrm>
-        </p:spPr>
-        <p:txBody>
-          <a:bodyPr/>
-          <a:lstStyle>
-            <a:lvl1pPr>
-              <a:defRPr>
-                <a:solidFill>
-                  <a:schemeClr val="tx2"/>
-                </a:solidFill>
-              </a:defRPr>
-            </a:lvl1pPr>
-          </a:lstStyle>
+        <p:spPr/>
+        <p:txBody>
+          <a:bodyPr/>
+          <a:lstStyle/>
           <a:p>
             <a:fld id="{B85809FB-E6A2-EB41-A7F1-890DF4AABD76}" type="slidenum">
               <a:rPr lang="de-AT" smtClean="0"/>
@@ -2010,71 +1757,15 @@
           </a:p>
         </p:txBody>
       </p:sp>
-      <p:sp>
-        <p:nvSpPr>
-          <p:cNvPr id="7" name="Freeform 6" title="Crop Mark"/>
-          <p:cNvSpPr/>
-          <p:nvPr/>
-        </p:nvSpPr>
-        <p:spPr bwMode="auto">
-          <a:xfrm>
-            <a:off x="8151962" y="1685652"/>
-            <a:ext cx="3275013" cy="4408488"/>
-          </a:xfrm>
-          <a:custGeom>
-            <a:avLst/>
-            <a:gdLst/>
-            <a:ahLst/>
-            <a:cxnLst/>
-            <a:rect l="0" t="0" r="r" b="b"/>
-            <a:pathLst>
-              <a:path w="4125" h="5554">
-                <a:moveTo>
-                  <a:pt x="3614" y="0"/>
-                </a:moveTo>
-                <a:lnTo>
-                  <a:pt x="4125" y="0"/>
-                </a:lnTo>
-                <a:lnTo>
-                  <a:pt x="4125" y="5554"/>
-                </a:lnTo>
-                <a:lnTo>
-                  <a:pt x="0" y="5554"/>
-                </a:lnTo>
-                <a:lnTo>
-                  <a:pt x="0" y="5074"/>
-                </a:lnTo>
-                <a:lnTo>
-                  <a:pt x="3614" y="5074"/>
-                </a:lnTo>
-                <a:lnTo>
-                  <a:pt x="3614" y="0"/>
-                </a:lnTo>
-                <a:close/>
-              </a:path>
-            </a:pathLst>
-          </a:custGeom>
-          <a:solidFill>
-            <a:schemeClr val="tx2"/>
-          </a:solidFill>
-          <a:ln w="0">
-            <a:noFill/>
-            <a:prstDash val="solid"/>
-            <a:round/>
-            <a:headEnd/>
-            <a:tailEnd/>
-          </a:ln>
-        </p:spPr>
-      </p:sp>
     </p:spTree>
     <p:extLst>
       <p:ext uri="{BB962C8B-B14F-4D97-AF65-F5344CB8AC3E}">
-        <p14:creationId xmlns:p14="http://schemas.microsoft.com/office/powerpoint/2010/main" val="2586094169"/>
+        <p14:creationId xmlns:p14="http://schemas.microsoft.com/office/powerpoint/2010/main" val="3145446592"/>
       </p:ext>
     </p:extLst>
   </p:cSld>
   <p:clrMapOvr>
-    <a:overrideClrMapping bg1="dk1" tx1="lt1" bg2="dk2" tx2="lt2" accent1="accent1" accent2="accent2" accent3="accent3" accent4="accent4" accent5="accent5" accent6="accent6" hlink="hlink" folHlink="folHlink"/>
+    <a:masterClrMapping/>
   </p:clrMapOvr>
 </p:sldLayout>
 </file>
@@ -2109,15 +1800,7 @@
         <p:spPr/>
         <p:txBody>
           <a:bodyPr/>
-          <a:lstStyle>
-            <a:lvl1pPr>
-              <a:defRPr>
-                <a:solidFill>
-                  <a:schemeClr val="tx2"/>
-                </a:solidFill>
-              </a:defRPr>
-            </a:lvl1pPr>
-          </a:lstStyle>
+          <a:lstStyle/>
           <a:p>
             <a:r>
               <a:rPr lang="de-DE"/>
@@ -2139,49 +1822,13 @@
         </p:nvSpPr>
         <p:spPr>
           <a:xfrm>
-            <a:off x="1371600" y="2285999"/>
-            <a:ext cx="4447786" cy="3581401"/>
+            <a:off x="838200" y="1825625"/>
+            <a:ext cx="5181600" cy="4351338"/>
           </a:xfrm>
         </p:spPr>
         <p:txBody>
           <a:bodyPr/>
-          <a:lstStyle>
-            <a:lvl1pPr>
-              <a:defRPr baseline="0">
-                <a:solidFill>
-                  <a:schemeClr val="tx2"/>
-                </a:solidFill>
-              </a:defRPr>
-            </a:lvl1pPr>
-            <a:lvl2pPr>
-              <a:defRPr baseline="0">
-                <a:solidFill>
-                  <a:schemeClr val="tx2"/>
-                </a:solidFill>
-              </a:defRPr>
-            </a:lvl2pPr>
-            <a:lvl3pPr>
-              <a:defRPr baseline="0">
-                <a:solidFill>
-                  <a:schemeClr val="tx2"/>
-                </a:solidFill>
-              </a:defRPr>
-            </a:lvl3pPr>
-            <a:lvl4pPr>
-              <a:defRPr baseline="0">
-                <a:solidFill>
-                  <a:schemeClr val="tx2"/>
-                </a:solidFill>
-              </a:defRPr>
-            </a:lvl4pPr>
-            <a:lvl5pPr>
-              <a:defRPr baseline="0">
-                <a:solidFill>
-                  <a:schemeClr val="tx2"/>
-                </a:solidFill>
-              </a:defRPr>
-            </a:lvl5pPr>
-          </a:lstStyle>
+          <a:lstStyle/>
           <a:p>
             <a:pPr lvl="0"/>
             <a:r>
@@ -2232,49 +1879,13 @@
         </p:nvSpPr>
         <p:spPr>
           <a:xfrm>
-            <a:off x="6525403" y="2285999"/>
-            <a:ext cx="4447786" cy="3581401"/>
+            <a:off x="6172200" y="1825625"/>
+            <a:ext cx="5181600" cy="4351338"/>
           </a:xfrm>
         </p:spPr>
         <p:txBody>
           <a:bodyPr/>
-          <a:lstStyle>
-            <a:lvl1pPr>
-              <a:defRPr>
-                <a:solidFill>
-                  <a:schemeClr val="tx2"/>
-                </a:solidFill>
-              </a:defRPr>
-            </a:lvl1pPr>
-            <a:lvl2pPr>
-              <a:defRPr>
-                <a:solidFill>
-                  <a:schemeClr val="tx2"/>
-                </a:solidFill>
-              </a:defRPr>
-            </a:lvl2pPr>
-            <a:lvl3pPr>
-              <a:defRPr>
-                <a:solidFill>
-                  <a:schemeClr val="tx2"/>
-                </a:solidFill>
-              </a:defRPr>
-            </a:lvl3pPr>
-            <a:lvl4pPr>
-              <a:defRPr>
-                <a:solidFill>
-                  <a:schemeClr val="tx2"/>
-                </a:solidFill>
-              </a:defRPr>
-            </a:lvl4pPr>
-            <a:lvl5pPr>
-              <a:defRPr>
-                <a:solidFill>
-                  <a:schemeClr val="tx2"/>
-                </a:solidFill>
-              </a:defRPr>
-            </a:lvl5pPr>
-          </a:lstStyle>
+          <a:lstStyle/>
           <a:p>
             <a:pPr lvl="0"/>
             <a:r>
@@ -2330,7 +1941,7 @@
           <a:p>
             <a:fld id="{DE54C2E3-43D0-0F4B-95D2-FADEC5486F79}" type="datetimeFigureOut">
               <a:rPr lang="de-AT" smtClean="0"/>
-              <a:t>23.01.2024</a:t>
+              <a:t>24.01.24</a:t>
             </a:fld>
             <a:endParaRPr lang="de-AT"/>
           </a:p>
@@ -2381,7 +1992,7 @@
     </p:spTree>
     <p:extLst>
       <p:ext uri="{BB962C8B-B14F-4D97-AF65-F5344CB8AC3E}">
-        <p14:creationId xmlns:p14="http://schemas.microsoft.com/office/powerpoint/2010/main" val="4244210745"/>
+        <p14:creationId xmlns:p14="http://schemas.microsoft.com/office/powerpoint/2010/main" val="1582185873"/>
       </p:ext>
     </p:extLst>
   </p:cSld>
@@ -2420,21 +2031,13 @@
         </p:nvSpPr>
         <p:spPr>
           <a:xfrm>
-            <a:off x="1371600" y="685800"/>
-            <a:ext cx="9601200" cy="1485900"/>
+            <a:off x="839788" y="365125"/>
+            <a:ext cx="10515600" cy="1325563"/>
           </a:xfrm>
         </p:spPr>
         <p:txBody>
           <a:bodyPr/>
-          <a:lstStyle>
-            <a:lvl1pPr>
-              <a:defRPr>
-                <a:solidFill>
-                  <a:schemeClr val="tx2"/>
-                </a:solidFill>
-              </a:defRPr>
-            </a:lvl1pPr>
-          </a:lstStyle>
+          <a:lstStyle/>
           <a:p>
             <a:r>
               <a:rPr lang="de-DE"/>
@@ -2456,31 +2059,16 @@
         </p:nvSpPr>
         <p:spPr>
           <a:xfrm>
-            <a:off x="1371600" y="2340864"/>
-            <a:ext cx="4443984" cy="823912"/>
+            <a:off x="839788" y="1681163"/>
+            <a:ext cx="5157787" cy="823912"/>
           </a:xfrm>
         </p:spPr>
         <p:txBody>
-          <a:bodyPr anchor="b">
-            <a:noAutofit/>
-          </a:bodyPr>
+          <a:bodyPr anchor="b"/>
           <a:lstStyle>
             <a:lvl1pPr marL="0" indent="0">
-              <a:lnSpc>
-                <a:spcPct val="84000"/>
-              </a:lnSpc>
-              <a:spcBef>
-                <a:spcPts val="0"/>
-              </a:spcBef>
-              <a:spcAft>
-                <a:spcPts val="0"/>
-              </a:spcAft>
-              <a:buNone/>
-              <a:defRPr sz="3000" b="0" baseline="0">
-                <a:solidFill>
-                  <a:schemeClr val="tx2"/>
-                </a:solidFill>
-              </a:defRPr>
+              <a:buNone/>
+              <a:defRPr sz="2400" b="1"/>
             </a:lvl1pPr>
             <a:lvl2pPr marL="457200" indent="0">
               <a:buNone/>
@@ -2536,49 +2124,13 @@
         </p:nvSpPr>
         <p:spPr>
           <a:xfrm>
-            <a:off x="1371600" y="3305207"/>
-            <a:ext cx="4443984" cy="2562193"/>
+            <a:off x="839788" y="2505075"/>
+            <a:ext cx="5157787" cy="3684588"/>
           </a:xfrm>
         </p:spPr>
         <p:txBody>
           <a:bodyPr/>
-          <a:lstStyle>
-            <a:lvl1pPr>
-              <a:defRPr baseline="0">
-                <a:solidFill>
-                  <a:schemeClr val="tx2"/>
-                </a:solidFill>
-              </a:defRPr>
-            </a:lvl1pPr>
-            <a:lvl2pPr>
-              <a:defRPr baseline="0">
-                <a:solidFill>
-                  <a:schemeClr val="tx2"/>
-                </a:solidFill>
-              </a:defRPr>
-            </a:lvl2pPr>
-            <a:lvl3pPr>
-              <a:defRPr baseline="0">
-                <a:solidFill>
-                  <a:schemeClr val="tx2"/>
-                </a:solidFill>
-              </a:defRPr>
-            </a:lvl3pPr>
-            <a:lvl4pPr>
-              <a:defRPr baseline="0">
-                <a:solidFill>
-                  <a:schemeClr val="tx2"/>
-                </a:solidFill>
-              </a:defRPr>
-            </a:lvl4pPr>
-            <a:lvl5pPr>
-              <a:defRPr baseline="0">
-                <a:solidFill>
-                  <a:schemeClr val="tx2"/>
-                </a:solidFill>
-              </a:defRPr>
-            </a:lvl5pPr>
-          </a:lstStyle>
+          <a:lstStyle/>
           <a:p>
             <a:pPr lvl="0"/>
             <a:r>
@@ -2629,31 +2181,16 @@
         </p:nvSpPr>
         <p:spPr>
           <a:xfrm>
-            <a:off x="6525014" y="2340864"/>
-            <a:ext cx="4443984" cy="823912"/>
+            <a:off x="6172200" y="1681163"/>
+            <a:ext cx="5183188" cy="823912"/>
           </a:xfrm>
         </p:spPr>
         <p:txBody>
-          <a:bodyPr anchor="b">
-            <a:noAutofit/>
-          </a:bodyPr>
+          <a:bodyPr anchor="b"/>
           <a:lstStyle>
             <a:lvl1pPr marL="0" indent="0">
-              <a:lnSpc>
-                <a:spcPct val="84000"/>
-              </a:lnSpc>
-              <a:spcBef>
-                <a:spcPts val="0"/>
-              </a:spcBef>
-              <a:spcAft>
-                <a:spcPts val="0"/>
-              </a:spcAft>
-              <a:buNone/>
-              <a:defRPr sz="3000" b="0" baseline="0">
-                <a:solidFill>
-                  <a:schemeClr val="tx2"/>
-                </a:solidFill>
-              </a:defRPr>
+              <a:buNone/>
+              <a:defRPr sz="2400" b="1"/>
             </a:lvl1pPr>
             <a:lvl2pPr marL="457200" indent="0">
               <a:buNone/>
@@ -2709,49 +2246,13 @@
         </p:nvSpPr>
         <p:spPr>
           <a:xfrm>
-            <a:off x="6525014" y="3305207"/>
-            <a:ext cx="4443984" cy="2562193"/>
+            <a:off x="6172200" y="2505075"/>
+            <a:ext cx="5183188" cy="3684588"/>
           </a:xfrm>
         </p:spPr>
         <p:txBody>
           <a:bodyPr/>
-          <a:lstStyle>
-            <a:lvl1pPr>
-              <a:defRPr baseline="0">
-                <a:solidFill>
-                  <a:schemeClr val="tx2"/>
-                </a:solidFill>
-              </a:defRPr>
-            </a:lvl1pPr>
-            <a:lvl2pPr>
-              <a:defRPr baseline="0">
-                <a:solidFill>
-                  <a:schemeClr val="tx2"/>
-                </a:solidFill>
-              </a:defRPr>
-            </a:lvl2pPr>
-            <a:lvl3pPr>
-              <a:defRPr baseline="0">
-                <a:solidFill>
-                  <a:schemeClr val="tx2"/>
-                </a:solidFill>
-              </a:defRPr>
-            </a:lvl3pPr>
-            <a:lvl4pPr>
-              <a:defRPr baseline="0">
-                <a:solidFill>
-                  <a:schemeClr val="tx2"/>
-                </a:solidFill>
-              </a:defRPr>
-            </a:lvl4pPr>
-            <a:lvl5pPr>
-              <a:defRPr baseline="0">
-                <a:solidFill>
-                  <a:schemeClr val="tx2"/>
-                </a:solidFill>
-              </a:defRPr>
-            </a:lvl5pPr>
-          </a:lstStyle>
+          <a:lstStyle/>
           <a:p>
             <a:pPr lvl="0"/>
             <a:r>
@@ -2807,7 +2308,7 @@
           <a:p>
             <a:fld id="{DE54C2E3-43D0-0F4B-95D2-FADEC5486F79}" type="datetimeFigureOut">
               <a:rPr lang="de-AT" smtClean="0"/>
-              <a:t>23.01.2024</a:t>
+              <a:t>24.01.24</a:t>
             </a:fld>
             <a:endParaRPr lang="de-AT"/>
           </a:p>
@@ -2858,7 +2359,7 @@
     </p:spTree>
     <p:extLst>
       <p:ext uri="{BB962C8B-B14F-4D97-AF65-F5344CB8AC3E}">
-        <p14:creationId xmlns:p14="http://schemas.microsoft.com/office/powerpoint/2010/main" val="1253271799"/>
+        <p14:creationId xmlns:p14="http://schemas.microsoft.com/office/powerpoint/2010/main" val="3921760524"/>
       </p:ext>
     </p:extLst>
   </p:cSld>
@@ -2925,7 +2426,7 @@
           <a:p>
             <a:fld id="{DE54C2E3-43D0-0F4B-95D2-FADEC5486F79}" type="datetimeFigureOut">
               <a:rPr lang="de-AT" smtClean="0"/>
-              <a:t>23.01.2024</a:t>
+              <a:t>24.01.24</a:t>
             </a:fld>
             <a:endParaRPr lang="de-AT"/>
           </a:p>
@@ -2976,7 +2477,7 @@
     </p:spTree>
     <p:extLst>
       <p:ext uri="{BB962C8B-B14F-4D97-AF65-F5344CB8AC3E}">
-        <p14:creationId xmlns:p14="http://schemas.microsoft.com/office/powerpoint/2010/main" val="3871010501"/>
+        <p14:creationId xmlns:p14="http://schemas.microsoft.com/office/powerpoint/2010/main" val="942874436"/>
       </p:ext>
     </p:extLst>
   </p:cSld>
@@ -3020,7 +2521,7 @@
           <a:p>
             <a:fld id="{DE54C2E3-43D0-0F4B-95D2-FADEC5486F79}" type="datetimeFigureOut">
               <a:rPr lang="de-AT" smtClean="0"/>
-              <a:t>23.01.2024</a:t>
+              <a:t>24.01.24</a:t>
             </a:fld>
             <a:endParaRPr lang="de-AT"/>
           </a:p>
@@ -3071,7 +2572,7 @@
     </p:spTree>
     <p:extLst>
       <p:ext uri="{BB962C8B-B14F-4D97-AF65-F5344CB8AC3E}">
-        <p14:creationId xmlns:p14="http://schemas.microsoft.com/office/powerpoint/2010/main" val="3960686213"/>
+        <p14:creationId xmlns:p14="http://schemas.microsoft.com/office/powerpoint/2010/main" val="1026377327"/>
       </p:ext>
     </p:extLst>
   </p:cSld>
@@ -3082,7 +2583,7 @@
 </file>
 
 <file path=ppt/slideLayouts/slideLayout8.xml><?xml version="1.0" encoding="utf-8"?>
-<p:sldLayout xmlns:a="http://schemas.openxmlformats.org/drawingml/2006/main" xmlns:r="http://schemas.openxmlformats.org/officeDocument/2006/relationships" xmlns:p="http://schemas.openxmlformats.org/presentationml/2006/main" showMasterSp="0" type="objTx" preserve="1">
+<p:sldLayout xmlns:a="http://schemas.openxmlformats.org/drawingml/2006/main" xmlns:r="http://schemas.openxmlformats.org/officeDocument/2006/relationships" xmlns:p="http://schemas.openxmlformats.org/presentationml/2006/main" type="objTx" preserve="1">
   <p:cSld name="Inhalt mit Überschrift">
     <p:spTree>
       <p:nvGrpSpPr>
@@ -3100,78 +2601,116 @@
       </p:grpSpPr>
       <p:sp>
         <p:nvSpPr>
-          <p:cNvPr id="8" name="Rectangle 7" title="Background Shape"/>
-          <p:cNvSpPr/>
-          <p:nvPr/>
+          <p:cNvPr id="2" name="Title 1"/>
+          <p:cNvSpPr>
+            <a:spLocks noGrp="1"/>
+          </p:cNvSpPr>
+          <p:nvPr>
+            <p:ph type="title"/>
+          </p:nvPr>
         </p:nvSpPr>
         <p:spPr>
           <a:xfrm>
-            <a:off x="0" y="376"/>
-            <a:ext cx="5303520" cy="6857624"/>
+            <a:off x="839788" y="457200"/>
+            <a:ext cx="3932237" cy="1600200"/>
           </a:xfrm>
-          <a:prstGeom prst="rect">
-            <a:avLst/>
-          </a:prstGeom>
-          <a:solidFill>
-            <a:schemeClr val="accent1"/>
-          </a:solidFill>
-          <a:ln>
-            <a:noFill/>
-          </a:ln>
         </p:spPr>
-        <p:style>
-          <a:lnRef idx="2">
-            <a:schemeClr val="accent1">
-              <a:shade val="50000"/>
-            </a:schemeClr>
-          </a:lnRef>
-          <a:fillRef idx="1">
-            <a:schemeClr val="accent1"/>
-          </a:fillRef>
-          <a:effectRef idx="0">
-            <a:schemeClr val="accent1"/>
-          </a:effectRef>
-          <a:fontRef idx="minor">
-            <a:schemeClr val="lt1"/>
-          </a:fontRef>
-        </p:style>
-      </p:sp>
-      <p:sp>
-        <p:nvSpPr>
-          <p:cNvPr id="2" name="Title 1"/>
-          <p:cNvSpPr>
-            <a:spLocks noGrp="1"/>
-          </p:cNvSpPr>
-          <p:nvPr>
-            <p:ph type="title"/>
+        <p:txBody>
+          <a:bodyPr anchor="b"/>
+          <a:lstStyle>
+            <a:lvl1pPr>
+              <a:defRPr sz="3200"/>
+            </a:lvl1pPr>
+          </a:lstStyle>
+          <a:p>
+            <a:r>
+              <a:rPr lang="de-DE"/>
+              <a:t>Mastertitelformat bearbeiten</a:t>
+            </a:r>
+            <a:endParaRPr lang="en-US" dirty="0"/>
+          </a:p>
+        </p:txBody>
+      </p:sp>
+      <p:sp>
+        <p:nvSpPr>
+          <p:cNvPr id="3" name="Content Placeholder 2"/>
+          <p:cNvSpPr>
+            <a:spLocks noGrp="1"/>
+          </p:cNvSpPr>
+          <p:nvPr>
+            <p:ph idx="1"/>
           </p:nvPr>
         </p:nvSpPr>
         <p:spPr>
           <a:xfrm>
-            <a:off x="723900" y="685800"/>
-            <a:ext cx="3855720" cy="2157884"/>
+            <a:off x="5183188" y="987425"/>
+            <a:ext cx="6172200" cy="4873625"/>
           </a:xfrm>
         </p:spPr>
         <p:txBody>
-          <a:bodyPr anchor="t">
-            <a:noAutofit/>
-          </a:bodyPr>
+          <a:bodyPr/>
           <a:lstStyle>
             <a:lvl1pPr>
-              <a:lnSpc>
-                <a:spcPct val="84000"/>
-              </a:lnSpc>
-              <a:defRPr sz="4800" baseline="0">
-                <a:solidFill>
-                  <a:schemeClr val="tx2"/>
-                </a:solidFill>
-              </a:defRPr>
+              <a:defRPr sz="3200"/>
             </a:lvl1pPr>
+            <a:lvl2pPr>
+              <a:defRPr sz="2800"/>
+            </a:lvl2pPr>
+            <a:lvl3pPr>
+              <a:defRPr sz="2400"/>
+            </a:lvl3pPr>
+            <a:lvl4pPr>
+              <a:defRPr sz="2000"/>
+            </a:lvl4pPr>
+            <a:lvl5pPr>
+              <a:defRPr sz="2000"/>
+            </a:lvl5pPr>
+            <a:lvl6pPr>
+              <a:defRPr sz="2000"/>
+            </a:lvl6pPr>
+            <a:lvl7pPr>
+              <a:defRPr sz="2000"/>
+            </a:lvl7pPr>
+            <a:lvl8pPr>
+              <a:defRPr sz="2000"/>
+            </a:lvl8pPr>
+            <a:lvl9pPr>
+              <a:defRPr sz="2000"/>
+            </a:lvl9pPr>
           </a:lstStyle>
           <a:p>
-            <a:r>
-              <a:rPr lang="de-DE"/>
-              <a:t>Mastertitelformat bearbeiten</a:t>
+            <a:pPr lvl="0"/>
+            <a:r>
+              <a:rPr lang="de-DE"/>
+              <a:t>Mastertextformat bearbeiten</a:t>
+            </a:r>
+          </a:p>
+          <a:p>
+            <a:pPr lvl="1"/>
+            <a:r>
+              <a:rPr lang="de-DE"/>
+              <a:t>Zweite Ebene</a:t>
+            </a:r>
+          </a:p>
+          <a:p>
+            <a:pPr lvl="2"/>
+            <a:r>
+              <a:rPr lang="de-DE"/>
+              <a:t>Dritte Ebene</a:t>
+            </a:r>
+          </a:p>
+          <a:p>
+            <a:pPr lvl="3"/>
+            <a:r>
+              <a:rPr lang="de-DE"/>
+              <a:t>Vierte Ebene</a:t>
+            </a:r>
+          </a:p>
+          <a:p>
+            <a:pPr lvl="4"/>
+            <a:r>
+              <a:rPr lang="de-DE"/>
+              <a:t>Fünfte Ebene</a:t>
             </a:r>
             <a:endParaRPr lang="en-US" dirty="0"/>
           </a:p>
@@ -3179,118 +2718,24 @@
       </p:sp>
       <p:sp>
         <p:nvSpPr>
-          <p:cNvPr id="3" name="Content Placeholder 2"/>
-          <p:cNvSpPr>
-            <a:spLocks noGrp="1"/>
-          </p:cNvSpPr>
-          <p:nvPr>
-            <p:ph idx="1"/>
+          <p:cNvPr id="4" name="Text Placeholder 3"/>
+          <p:cNvSpPr>
+            <a:spLocks noGrp="1"/>
+          </p:cNvSpPr>
+          <p:nvPr>
+            <p:ph type="body" sz="half" idx="2"/>
           </p:nvPr>
         </p:nvSpPr>
         <p:spPr>
           <a:xfrm>
-            <a:off x="6256020" y="685801"/>
-            <a:ext cx="5212080" cy="5175250"/>
+            <a:off x="839788" y="2057400"/>
+            <a:ext cx="3932237" cy="3811588"/>
           </a:xfrm>
         </p:spPr>
         <p:txBody>
           <a:bodyPr/>
           <a:lstStyle>
-            <a:lvl1pPr>
-              <a:defRPr sz="2000"/>
-            </a:lvl1pPr>
-            <a:lvl2pPr>
-              <a:defRPr sz="2000"/>
-            </a:lvl2pPr>
-            <a:lvl3pPr>
-              <a:defRPr sz="1800"/>
-            </a:lvl3pPr>
-            <a:lvl4pPr>
-              <a:defRPr sz="1800"/>
-            </a:lvl4pPr>
-            <a:lvl5pPr>
-              <a:defRPr sz="1600"/>
-            </a:lvl5pPr>
-            <a:lvl6pPr>
-              <a:defRPr sz="1600"/>
-            </a:lvl6pPr>
-            <a:lvl7pPr>
-              <a:defRPr sz="1600"/>
-            </a:lvl7pPr>
-            <a:lvl8pPr>
-              <a:defRPr sz="1600"/>
-            </a:lvl8pPr>
-            <a:lvl9pPr>
-              <a:defRPr sz="1600"/>
-            </a:lvl9pPr>
-          </a:lstStyle>
-          <a:p>
-            <a:pPr lvl="0"/>
-            <a:r>
-              <a:rPr lang="de-DE"/>
-              <a:t>Mastertextformat bearbeiten</a:t>
-            </a:r>
-          </a:p>
-          <a:p>
-            <a:pPr lvl="1"/>
-            <a:r>
-              <a:rPr lang="de-DE"/>
-              <a:t>Zweite Ebene</a:t>
-            </a:r>
-          </a:p>
-          <a:p>
-            <a:pPr lvl="2"/>
-            <a:r>
-              <a:rPr lang="de-DE"/>
-              <a:t>Dritte Ebene</a:t>
-            </a:r>
-          </a:p>
-          <a:p>
-            <a:pPr lvl="3"/>
-            <a:r>
-              <a:rPr lang="de-DE"/>
-              <a:t>Vierte Ebene</a:t>
-            </a:r>
-          </a:p>
-          <a:p>
-            <a:pPr lvl="4"/>
-            <a:r>
-              <a:rPr lang="de-DE"/>
-              <a:t>Fünfte Ebene</a:t>
-            </a:r>
-            <a:endParaRPr lang="en-US" dirty="0"/>
-          </a:p>
-        </p:txBody>
-      </p:sp>
-      <p:sp>
-        <p:nvSpPr>
-          <p:cNvPr id="4" name="Text Placeholder 3"/>
-          <p:cNvSpPr>
-            <a:spLocks noGrp="1"/>
-          </p:cNvSpPr>
-          <p:nvPr>
-            <p:ph type="body" sz="half" idx="2"/>
-          </p:nvPr>
-        </p:nvSpPr>
-        <p:spPr>
-          <a:xfrm>
-            <a:off x="723900" y="2856344"/>
-            <a:ext cx="3855720" cy="3011056"/>
-          </a:xfrm>
-        </p:spPr>
-        <p:txBody>
-          <a:bodyPr/>
-          <a:lstStyle>
             <a:lvl1pPr marL="0" indent="0">
-              <a:lnSpc>
-                <a:spcPct val="113000"/>
-              </a:lnSpc>
-              <a:spcBef>
-                <a:spcPts val="0"/>
-              </a:spcBef>
-              <a:spcAft>
-                <a:spcPts val="1500"/>
-              </a:spcAft>
               <a:buNone/>
               <a:defRPr sz="1600"/>
             </a:lvl1pPr>
@@ -3346,27 +2791,14 @@
             <p:ph type="dt" sz="half" idx="10"/>
           </p:nvPr>
         </p:nvSpPr>
-        <p:spPr>
-          <a:xfrm>
-            <a:off x="723900" y="6453386"/>
-            <a:ext cx="1204572" cy="404614"/>
-          </a:xfrm>
-        </p:spPr>
-        <p:txBody>
-          <a:bodyPr/>
-          <a:lstStyle>
-            <a:lvl1pPr>
-              <a:defRPr>
-                <a:solidFill>
-                  <a:schemeClr val="tx2"/>
-                </a:solidFill>
-              </a:defRPr>
-            </a:lvl1pPr>
-          </a:lstStyle>
+        <p:spPr/>
+        <p:txBody>
+          <a:bodyPr/>
+          <a:lstStyle/>
           <a:p>
             <a:fld id="{DE54C2E3-43D0-0F4B-95D2-FADEC5486F79}" type="datetimeFigureOut">
               <a:rPr lang="de-AT" smtClean="0"/>
-              <a:t>23.01.2024</a:t>
+              <a:t>24.01.24</a:t>
             </a:fld>
             <a:endParaRPr lang="de-AT"/>
           </a:p>
@@ -3382,23 +2814,10 @@
             <p:ph type="ftr" sz="quarter" idx="11"/>
           </p:nvPr>
         </p:nvSpPr>
-        <p:spPr>
-          <a:xfrm>
-            <a:off x="2205945" y="6453386"/>
-            <a:ext cx="2373675" cy="404614"/>
-          </a:xfrm>
-        </p:spPr>
-        <p:txBody>
-          <a:bodyPr/>
-          <a:lstStyle>
-            <a:lvl1pPr>
-              <a:defRPr>
-                <a:solidFill>
-                  <a:schemeClr val="tx2"/>
-                </a:solidFill>
-              </a:defRPr>
-            </a:lvl1pPr>
-          </a:lstStyle>
+        <p:spPr/>
+        <p:txBody>
+          <a:bodyPr/>
+          <a:lstStyle/>
           <a:p>
             <a:endParaRPr lang="de-AT"/>
           </a:p>
@@ -3414,23 +2833,10 @@
             <p:ph type="sldNum" sz="quarter" idx="12"/>
           </p:nvPr>
         </p:nvSpPr>
-        <p:spPr>
-          <a:xfrm>
-            <a:off x="9883140" y="6453386"/>
-            <a:ext cx="1596292" cy="404614"/>
-          </a:xfrm>
-        </p:spPr>
-        <p:txBody>
-          <a:bodyPr/>
-          <a:lstStyle>
-            <a:lvl1pPr>
-              <a:defRPr>
-                <a:solidFill>
-                  <a:schemeClr val="tx2"/>
-                </a:solidFill>
-              </a:defRPr>
-            </a:lvl1pPr>
-          </a:lstStyle>
+        <p:spPr/>
+        <p:txBody>
+          <a:bodyPr/>
+          <a:lstStyle/>
           <a:p>
             <a:fld id="{B85809FB-E6A2-EB41-A7F1-890DF4AABD76}" type="slidenum">
               <a:rPr lang="de-AT" smtClean="0"/>
@@ -3440,48 +2846,10 @@
           </a:p>
         </p:txBody>
       </p:sp>
-      <p:sp>
-        <p:nvSpPr>
-          <p:cNvPr id="9" name="Rectangle 8" title="Divider Bar"/>
-          <p:cNvSpPr/>
-          <p:nvPr/>
-        </p:nvSpPr>
-        <p:spPr>
-          <a:xfrm>
-            <a:off x="5303520" y="376"/>
-            <a:ext cx="228600" cy="6858000"/>
-          </a:xfrm>
-          <a:prstGeom prst="rect">
-            <a:avLst/>
-          </a:prstGeom>
-          <a:solidFill>
-            <a:schemeClr val="tx2"/>
-          </a:solidFill>
-          <a:ln>
-            <a:noFill/>
-          </a:ln>
-        </p:spPr>
-        <p:style>
-          <a:lnRef idx="2">
-            <a:schemeClr val="accent1">
-              <a:shade val="50000"/>
-            </a:schemeClr>
-          </a:lnRef>
-          <a:fillRef idx="1">
-            <a:schemeClr val="accent1"/>
-          </a:fillRef>
-          <a:effectRef idx="0">
-            <a:schemeClr val="accent1"/>
-          </a:effectRef>
-          <a:fontRef idx="minor">
-            <a:schemeClr val="lt1"/>
-          </a:fontRef>
-        </p:style>
-      </p:sp>
     </p:spTree>
     <p:extLst>
       <p:ext uri="{BB962C8B-B14F-4D97-AF65-F5344CB8AC3E}">
-        <p14:creationId xmlns:p14="http://schemas.microsoft.com/office/powerpoint/2010/main" val="1869104419"/>
+        <p14:creationId xmlns:p14="http://schemas.microsoft.com/office/powerpoint/2010/main" val="91840462"/>
       </p:ext>
     </p:extLst>
   </p:cSld>
@@ -3492,7 +2860,7 @@
 </file>
 
 <file path=ppt/slideLayouts/slideLayout9.xml><?xml version="1.0" encoding="utf-8"?>
-<p:sldLayout xmlns:a="http://schemas.openxmlformats.org/drawingml/2006/main" xmlns:r="http://schemas.openxmlformats.org/officeDocument/2006/relationships" xmlns:p="http://schemas.openxmlformats.org/presentationml/2006/main" showMasterSp="0" type="picTx" preserve="1">
+<p:sldLayout xmlns:a="http://schemas.openxmlformats.org/drawingml/2006/main" xmlns:r="http://schemas.openxmlformats.org/officeDocument/2006/relationships" xmlns:p="http://schemas.openxmlformats.org/presentationml/2006/main" type="picTx" preserve="1">
   <p:cSld name="Bild mit Überschrift">
     <p:spTree>
       <p:nvGrpSpPr>
@@ -3510,111 +2878,66 @@
       </p:grpSpPr>
       <p:sp>
         <p:nvSpPr>
-          <p:cNvPr id="8" name="Rectangle 7" title="Background Shape"/>
-          <p:cNvSpPr/>
-          <p:nvPr/>
+          <p:cNvPr id="2" name="Title 1"/>
+          <p:cNvSpPr>
+            <a:spLocks noGrp="1"/>
+          </p:cNvSpPr>
+          <p:nvPr>
+            <p:ph type="title"/>
+          </p:nvPr>
         </p:nvSpPr>
         <p:spPr>
           <a:xfrm>
-            <a:off x="0" y="376"/>
-            <a:ext cx="5303520" cy="6857624"/>
+            <a:off x="839788" y="457200"/>
+            <a:ext cx="3932237" cy="1600200"/>
           </a:xfrm>
-          <a:prstGeom prst="rect">
-            <a:avLst/>
-          </a:prstGeom>
-          <a:solidFill>
-            <a:schemeClr val="accent1"/>
-          </a:solidFill>
-          <a:ln>
-            <a:noFill/>
-          </a:ln>
         </p:spPr>
-        <p:style>
-          <a:lnRef idx="2">
-            <a:schemeClr val="accent1">
-              <a:shade val="50000"/>
-            </a:schemeClr>
-          </a:lnRef>
-          <a:fillRef idx="1">
-            <a:schemeClr val="accent1"/>
-          </a:fillRef>
-          <a:effectRef idx="0">
-            <a:schemeClr val="accent1"/>
-          </a:effectRef>
-          <a:fontRef idx="minor">
-            <a:schemeClr val="lt1"/>
-          </a:fontRef>
-        </p:style>
-      </p:sp>
-      <p:sp>
-        <p:nvSpPr>
-          <p:cNvPr id="2" name="Title 1"/>
-          <p:cNvSpPr>
-            <a:spLocks noGrp="1"/>
-          </p:cNvSpPr>
-          <p:nvPr>
-            <p:ph type="title"/>
+        <p:txBody>
+          <a:bodyPr anchor="b"/>
+          <a:lstStyle>
+            <a:lvl1pPr>
+              <a:defRPr sz="3200"/>
+            </a:lvl1pPr>
+          </a:lstStyle>
+          <a:p>
+            <a:r>
+              <a:rPr lang="de-DE"/>
+              <a:t>Mastertitelformat bearbeiten</a:t>
+            </a:r>
+            <a:endParaRPr lang="en-US" dirty="0"/>
+          </a:p>
+        </p:txBody>
+      </p:sp>
+      <p:sp>
+        <p:nvSpPr>
+          <p:cNvPr id="3" name="Picture Placeholder 2"/>
+          <p:cNvSpPr>
+            <a:spLocks noGrp="1" noChangeAspect="1"/>
+          </p:cNvSpPr>
+          <p:nvPr>
+            <p:ph type="pic" idx="1"/>
           </p:nvPr>
         </p:nvSpPr>
         <p:spPr>
           <a:xfrm>
-            <a:off x="723900" y="685800"/>
-            <a:ext cx="3855720" cy="2157884"/>
+            <a:off x="5183188" y="987425"/>
+            <a:ext cx="6172200" cy="4873625"/>
           </a:xfrm>
         </p:spPr>
         <p:txBody>
-          <a:bodyPr anchor="t">
-            <a:normAutofit/>
-          </a:bodyPr>
-          <a:lstStyle>
-            <a:lvl1pPr>
-              <a:lnSpc>
-                <a:spcPct val="84000"/>
-              </a:lnSpc>
-              <a:defRPr sz="4800" baseline="0"/>
-            </a:lvl1pPr>
-          </a:lstStyle>
-          <a:p>
-            <a:r>
-              <a:rPr lang="de-DE"/>
-              <a:t>Mastertitelformat bearbeiten</a:t>
-            </a:r>
-            <a:endParaRPr lang="en-US" dirty="0"/>
-          </a:p>
-        </p:txBody>
-      </p:sp>
-      <p:sp>
-        <p:nvSpPr>
-          <p:cNvPr id="3" name="Picture Placeholder 2"/>
-          <p:cNvSpPr>
-            <a:spLocks noGrp="1" noChangeAspect="1"/>
-          </p:cNvSpPr>
-          <p:nvPr>
-            <p:ph type="pic" idx="1"/>
-          </p:nvPr>
-        </p:nvSpPr>
-        <p:spPr>
-          <a:xfrm>
-            <a:off x="5532120" y="0"/>
-            <a:ext cx="6659880" cy="6857999"/>
-          </a:xfrm>
-        </p:spPr>
-        <p:txBody>
-          <a:bodyPr anchor="t">
-            <a:normAutofit/>
-          </a:bodyPr>
+          <a:bodyPr anchor="t"/>
           <a:lstStyle>
             <a:lvl1pPr marL="0" indent="0">
               <a:buNone/>
-              <a:defRPr sz="2000"/>
+              <a:defRPr sz="3200"/>
             </a:lvl1pPr>
             <a:lvl2pPr marL="457200" indent="0">
               <a:buNone/>
-              <a:defRPr sz="2000"/>
+              <a:defRPr sz="2800"/>
             </a:lvl2pPr>
             <a:lvl3pPr marL="914400" indent="0">
               <a:buNone/>
-              <a:defRPr sz="2000"/>
+              <a:defRPr sz="2400"/>
             </a:lvl3pPr>
             <a:lvl4pPr marL="1371600" indent="0">
               <a:buNone/>
@@ -3662,23 +2985,14 @@
         </p:nvSpPr>
         <p:spPr>
           <a:xfrm>
-            <a:off x="723900" y="2855968"/>
-            <a:ext cx="3855720" cy="3011432"/>
+            <a:off x="839788" y="2057400"/>
+            <a:ext cx="3932237" cy="3811588"/>
           </a:xfrm>
         </p:spPr>
         <p:txBody>
           <a:bodyPr/>
           <a:lstStyle>
             <a:lvl1pPr marL="0" indent="0">
-              <a:lnSpc>
-                <a:spcPct val="113000"/>
-              </a:lnSpc>
-              <a:spcBef>
-                <a:spcPts val="0"/>
-              </a:spcBef>
-              <a:spcAft>
-                <a:spcPts val="1500"/>
-              </a:spcAft>
               <a:buNone/>
               <a:defRPr sz="1600"/>
             </a:lvl1pPr>
@@ -3734,27 +3048,14 @@
             <p:ph type="dt" sz="half" idx="10"/>
           </p:nvPr>
         </p:nvSpPr>
-        <p:spPr>
-          <a:xfrm>
-            <a:off x="723900" y="6453386"/>
-            <a:ext cx="1204572" cy="404614"/>
-          </a:xfrm>
-        </p:spPr>
-        <p:txBody>
-          <a:bodyPr/>
-          <a:lstStyle>
-            <a:lvl1pPr>
-              <a:defRPr>
-                <a:solidFill>
-                  <a:schemeClr val="tx2"/>
-                </a:solidFill>
-              </a:defRPr>
-            </a:lvl1pPr>
-          </a:lstStyle>
+        <p:spPr/>
+        <p:txBody>
+          <a:bodyPr/>
+          <a:lstStyle/>
           <a:p>
             <a:fld id="{DE54C2E3-43D0-0F4B-95D2-FADEC5486F79}" type="datetimeFigureOut">
               <a:rPr lang="de-AT" smtClean="0"/>
-              <a:t>23.01.2024</a:t>
+              <a:t>24.01.24</a:t>
             </a:fld>
             <a:endParaRPr lang="de-AT"/>
           </a:p>
@@ -3770,23 +3071,10 @@
             <p:ph type="ftr" sz="quarter" idx="11"/>
           </p:nvPr>
         </p:nvSpPr>
-        <p:spPr>
-          <a:xfrm>
-            <a:off x="2205945" y="6453386"/>
-            <a:ext cx="2373675" cy="404614"/>
-          </a:xfrm>
-        </p:spPr>
-        <p:txBody>
-          <a:bodyPr/>
-          <a:lstStyle>
-            <a:lvl1pPr>
-              <a:defRPr>
-                <a:solidFill>
-                  <a:schemeClr val="tx2"/>
-                </a:solidFill>
-              </a:defRPr>
-            </a:lvl1pPr>
-          </a:lstStyle>
+        <p:spPr/>
+        <p:txBody>
+          <a:bodyPr/>
+          <a:lstStyle/>
           <a:p>
             <a:endParaRPr lang="de-AT"/>
           </a:p>
@@ -3802,23 +3090,10 @@
             <p:ph type="sldNum" sz="quarter" idx="12"/>
           </p:nvPr>
         </p:nvSpPr>
-        <p:spPr>
-          <a:xfrm>
-            <a:off x="9883140" y="6453386"/>
-            <a:ext cx="1596292" cy="404614"/>
-          </a:xfrm>
-        </p:spPr>
-        <p:txBody>
-          <a:bodyPr/>
-          <a:lstStyle>
-            <a:lvl1pPr>
-              <a:defRPr>
-                <a:solidFill>
-                  <a:schemeClr val="tx2"/>
-                </a:solidFill>
-              </a:defRPr>
-            </a:lvl1pPr>
-          </a:lstStyle>
+        <p:spPr/>
+        <p:txBody>
+          <a:bodyPr/>
+          <a:lstStyle/>
           <a:p>
             <a:fld id="{B85809FB-E6A2-EB41-A7F1-890DF4AABD76}" type="slidenum">
               <a:rPr lang="de-AT" smtClean="0"/>
@@ -3828,48 +3103,10 @@
           </a:p>
         </p:txBody>
       </p:sp>
-      <p:sp>
-        <p:nvSpPr>
-          <p:cNvPr id="9" name="Rectangle 8" title="Divider Bar"/>
-          <p:cNvSpPr/>
-          <p:nvPr/>
-        </p:nvSpPr>
-        <p:spPr>
-          <a:xfrm>
-            <a:off x="5303520" y="376"/>
-            <a:ext cx="228600" cy="6858000"/>
-          </a:xfrm>
-          <a:prstGeom prst="rect">
-            <a:avLst/>
-          </a:prstGeom>
-          <a:solidFill>
-            <a:schemeClr val="tx2"/>
-          </a:solidFill>
-          <a:ln>
-            <a:noFill/>
-          </a:ln>
-        </p:spPr>
-        <p:style>
-          <a:lnRef idx="2">
-            <a:schemeClr val="accent1">
-              <a:shade val="50000"/>
-            </a:schemeClr>
-          </a:lnRef>
-          <a:fillRef idx="1">
-            <a:schemeClr val="accent1"/>
-          </a:fillRef>
-          <a:effectRef idx="0">
-            <a:schemeClr val="accent1"/>
-          </a:effectRef>
-          <a:fontRef idx="minor">
-            <a:schemeClr val="lt1"/>
-          </a:fontRef>
-        </p:style>
-      </p:sp>
     </p:spTree>
     <p:extLst>
       <p:ext uri="{BB962C8B-B14F-4D97-AF65-F5344CB8AC3E}">
-        <p14:creationId xmlns:p14="http://schemas.microsoft.com/office/powerpoint/2010/main" val="253274348"/>
+        <p14:creationId xmlns:p14="http://schemas.microsoft.com/office/powerpoint/2010/main" val="1124144524"/>
       </p:ext>
     </p:extLst>
   </p:cSld>
@@ -3883,12 +3120,9 @@
 <p:sldMaster xmlns:a="http://schemas.openxmlformats.org/drawingml/2006/main" xmlns:r="http://schemas.openxmlformats.org/officeDocument/2006/relationships" xmlns:p="http://schemas.openxmlformats.org/presentationml/2006/main">
   <p:cSld>
     <p:bg>
-      <p:bgPr>
-        <a:solidFill>
-          <a:schemeClr val="bg2"/>
-        </a:solidFill>
-        <a:effectLst/>
-      </p:bgPr>
+      <p:bgRef idx="1001">
+        <a:schemeClr val="bg1"/>
+      </p:bgRef>
     </p:bg>
     <p:spTree>
       <p:nvGrpSpPr>
@@ -3916,15 +3150,15 @@
         </p:nvSpPr>
         <p:spPr>
           <a:xfrm>
-            <a:off x="1371600" y="685800"/>
-            <a:ext cx="9601200" cy="1485900"/>
+            <a:off x="838200" y="365125"/>
+            <a:ext cx="10515600" cy="1325563"/>
           </a:xfrm>
           <a:prstGeom prst="rect">
             <a:avLst/>
           </a:prstGeom>
         </p:spPr>
         <p:txBody>
-          <a:bodyPr vert="horz" lIns="91440" tIns="45720" rIns="91440" bIns="45720" rtlCol="0" anchor="t">
+          <a:bodyPr vert="horz" lIns="91440" tIns="45720" rIns="91440" bIns="45720" rtlCol="0" anchor="ctr">
             <a:normAutofit/>
           </a:bodyPr>
           <a:lstStyle/>
@@ -3949,8 +3183,8 @@
         </p:nvSpPr>
         <p:spPr>
           <a:xfrm>
-            <a:off x="1371600" y="2286000"/>
-            <a:ext cx="9601200" cy="3581400"/>
+            <a:off x="838200" y="1825625"/>
+            <a:ext cx="10515600" cy="4351338"/>
           </a:xfrm>
           <a:prstGeom prst="rect">
             <a:avLst/>
@@ -4011,8 +3245,8 @@
         </p:nvSpPr>
         <p:spPr>
           <a:xfrm>
-            <a:off x="1390650" y="6453386"/>
-            <a:ext cx="1204572" cy="404614"/>
+            <a:off x="838200" y="6356350"/>
+            <a:ext cx="2743200" cy="365125"/>
           </a:xfrm>
           <a:prstGeom prst="rect">
             <a:avLst/>
@@ -4022,9 +3256,11 @@
           <a:bodyPr vert="horz" lIns="91440" tIns="45720" rIns="91440" bIns="45720" rtlCol="0" anchor="ctr"/>
           <a:lstStyle>
             <a:lvl1pPr algn="l">
-              <a:defRPr sz="1200" baseline="0">
+              <a:defRPr sz="1200">
                 <a:solidFill>
-                  <a:schemeClr val="tx2"/>
+                  <a:schemeClr val="tx1">
+                    <a:tint val="75000"/>
+                  </a:schemeClr>
                 </a:solidFill>
               </a:defRPr>
             </a:lvl1pPr>
@@ -4032,7 +3268,7 @@
           <a:p>
             <a:fld id="{DE54C2E3-43D0-0F4B-95D2-FADEC5486F79}" type="datetimeFigureOut">
               <a:rPr lang="de-AT" smtClean="0"/>
-              <a:t>23.01.2024</a:t>
+              <a:t>24.01.24</a:t>
             </a:fld>
             <a:endParaRPr lang="de-AT"/>
           </a:p>
@@ -4050,8 +3286,8 @@
         </p:nvSpPr>
         <p:spPr>
           <a:xfrm>
-            <a:off x="2893564" y="6453386"/>
-            <a:ext cx="6280830" cy="404614"/>
+            <a:off x="4038600" y="6356350"/>
+            <a:ext cx="4114800" cy="365125"/>
           </a:xfrm>
           <a:prstGeom prst="rect">
             <a:avLst/>
@@ -4060,10 +3296,12 @@
         <p:txBody>
           <a:bodyPr vert="horz" lIns="91440" tIns="45720" rIns="91440" bIns="45720" rtlCol="0" anchor="ctr"/>
           <a:lstStyle>
-            <a:lvl1pPr algn="l">
-              <a:defRPr sz="1200" baseline="0">
+            <a:lvl1pPr algn="ctr">
+              <a:defRPr sz="1200">
                 <a:solidFill>
-                  <a:schemeClr val="tx2"/>
+                  <a:schemeClr val="tx1">
+                    <a:tint val="75000"/>
+                  </a:schemeClr>
                 </a:solidFill>
               </a:defRPr>
             </a:lvl1pPr>
@@ -4085,8 +3323,8 @@
         </p:nvSpPr>
         <p:spPr>
           <a:xfrm>
-            <a:off x="9472736" y="6453386"/>
-            <a:ext cx="1596292" cy="404614"/>
+            <a:off x="8610600" y="6356350"/>
+            <a:ext cx="2743200" cy="365125"/>
           </a:xfrm>
           <a:prstGeom prst="rect">
             <a:avLst/>
@@ -4096,9 +3334,11 @@
           <a:bodyPr vert="horz" lIns="91440" tIns="45720" rIns="91440" bIns="45720" rtlCol="0" anchor="ctr"/>
           <a:lstStyle>
             <a:lvl1pPr algn="r">
-              <a:defRPr sz="1200" baseline="0">
+              <a:defRPr sz="1200">
                 <a:solidFill>
-                  <a:schemeClr val="tx2"/>
+                  <a:schemeClr val="tx1">
+                    <a:tint val="75000"/>
+                  </a:schemeClr>
                 </a:solidFill>
               </a:defRPr>
             </a:lvl1pPr>
@@ -4112,78 +3352,40 @@
           </a:p>
         </p:txBody>
       </p:sp>
-      <p:sp>
-        <p:nvSpPr>
-          <p:cNvPr id="9" name="Rectangle 8" title="Side bar"/>
-          <p:cNvSpPr/>
-          <p:nvPr/>
-        </p:nvSpPr>
-        <p:spPr>
-          <a:xfrm>
-            <a:off x="478095" y="376"/>
-            <a:ext cx="228600" cy="6858000"/>
-          </a:xfrm>
-          <a:prstGeom prst="rect">
-            <a:avLst/>
-          </a:prstGeom>
-          <a:solidFill>
-            <a:schemeClr val="tx2"/>
-          </a:solidFill>
-          <a:ln>
-            <a:noFill/>
-          </a:ln>
-        </p:spPr>
-        <p:style>
-          <a:lnRef idx="2">
-            <a:schemeClr val="accent1">
-              <a:shade val="50000"/>
-            </a:schemeClr>
-          </a:lnRef>
-          <a:fillRef idx="1">
-            <a:schemeClr val="accent1"/>
-          </a:fillRef>
-          <a:effectRef idx="0">
-            <a:schemeClr val="accent1"/>
-          </a:effectRef>
-          <a:fontRef idx="minor">
-            <a:schemeClr val="lt1"/>
-          </a:fontRef>
-        </p:style>
-      </p:sp>
     </p:spTree>
     <p:extLst>
       <p:ext uri="{BB962C8B-B14F-4D97-AF65-F5344CB8AC3E}">
-        <p14:creationId xmlns:p14="http://schemas.microsoft.com/office/powerpoint/2010/main" val="607414226"/>
+        <p14:creationId xmlns:p14="http://schemas.microsoft.com/office/powerpoint/2010/main" val="3671520373"/>
       </p:ext>
     </p:extLst>
   </p:cSld>
-  <p:clrMap bg1="lt1" tx1="dk1" bg2="lt2" tx2="dk2" accent1="accent1" accent2="accent2" accent3="accent3" accent4="accent4" accent5="accent5" accent6="accent6" hlink="hlink" folHlink="folHlink"/>
+  <p:clrMap bg1="dk1" tx1="lt1" bg2="dk2" tx2="lt2" accent1="accent1" accent2="accent2" accent3="accent3" accent4="accent4" accent5="accent5" accent6="accent6" hlink="hlink" folHlink="folHlink"/>
   <p:sldLayoutIdLst>
-    <p:sldLayoutId id="2147483661" r:id="rId1"/>
-    <p:sldLayoutId id="2147483662" r:id="rId2"/>
-    <p:sldLayoutId id="2147483663" r:id="rId3"/>
-    <p:sldLayoutId id="2147483664" r:id="rId4"/>
-    <p:sldLayoutId id="2147483665" r:id="rId5"/>
-    <p:sldLayoutId id="2147483666" r:id="rId6"/>
-    <p:sldLayoutId id="2147483667" r:id="rId7"/>
-    <p:sldLayoutId id="2147483668" r:id="rId8"/>
-    <p:sldLayoutId id="2147483669" r:id="rId9"/>
-    <p:sldLayoutId id="2147483670" r:id="rId10"/>
-    <p:sldLayoutId id="2147483671" r:id="rId11"/>
+    <p:sldLayoutId id="2147483697" r:id="rId1"/>
+    <p:sldLayoutId id="2147483698" r:id="rId2"/>
+    <p:sldLayoutId id="2147483699" r:id="rId3"/>
+    <p:sldLayoutId id="2147483700" r:id="rId4"/>
+    <p:sldLayoutId id="2147483701" r:id="rId5"/>
+    <p:sldLayoutId id="2147483702" r:id="rId6"/>
+    <p:sldLayoutId id="2147483703" r:id="rId7"/>
+    <p:sldLayoutId id="2147483704" r:id="rId8"/>
+    <p:sldLayoutId id="2147483705" r:id="rId9"/>
+    <p:sldLayoutId id="2147483706" r:id="rId10"/>
+    <p:sldLayoutId id="2147483707" r:id="rId11"/>
   </p:sldLayoutIdLst>
   <p:txStyles>
     <p:titleStyle>
       <a:lvl1pPr algn="l" defTabSz="914400" rtl="0" eaLnBrk="1" latinLnBrk="0" hangingPunct="1">
         <a:lnSpc>
-          <a:spcPct val="89000"/>
+          <a:spcPct val="90000"/>
         </a:lnSpc>
         <a:spcBef>
           <a:spcPct val="0"/>
         </a:spcBef>
         <a:buNone/>
-        <a:defRPr sz="4400" kern="1200" baseline="0">
+        <a:defRPr sz="4400" kern="1200">
           <a:solidFill>
-            <a:schemeClr val="tx2"/>
+            <a:schemeClr val="tx1"/>
           </a:solidFill>
           <a:latin typeface="+mj-lt"/>
           <a:ea typeface="+mj-ea"/>
@@ -4192,189 +3394,162 @@
       </a:lvl1pPr>
     </p:titleStyle>
     <p:bodyStyle>
-      <a:lvl1pPr marL="384048" indent="-384048" algn="l" defTabSz="914400" rtl="0" eaLnBrk="1" latinLnBrk="0" hangingPunct="1">
+      <a:lvl1pPr marL="228600" indent="-228600" algn="l" defTabSz="914400" rtl="0" eaLnBrk="1" latinLnBrk="0" hangingPunct="1">
         <a:lnSpc>
-          <a:spcPct val="94000"/>
+          <a:spcPct val="90000"/>
         </a:lnSpc>
         <a:spcBef>
           <a:spcPts val="1000"/>
         </a:spcBef>
-        <a:spcAft>
-          <a:spcPts val="200"/>
-        </a:spcAft>
-        <a:buFont typeface="Franklin Gothic Book" panose="020B0503020102020204" pitchFamily="34" charset="0"/>
-        <a:buChar char="■"/>
-        <a:defRPr sz="2000" kern="1200" baseline="0">
+        <a:buFont typeface="Arial" panose="020B0604020202020204" pitchFamily="34" charset="0"/>
+        <a:buChar char="•"/>
+        <a:defRPr sz="2800" kern="1200">
           <a:solidFill>
-            <a:schemeClr val="tx2"/>
+            <a:schemeClr val="tx1"/>
           </a:solidFill>
           <a:latin typeface="+mn-lt"/>
           <a:ea typeface="+mn-ea"/>
           <a:cs typeface="+mn-cs"/>
         </a:defRPr>
       </a:lvl1pPr>
-      <a:lvl2pPr marL="914400" indent="-384048" algn="l" defTabSz="914400" rtl="0" eaLnBrk="1" latinLnBrk="0" hangingPunct="1">
+      <a:lvl2pPr marL="685800" indent="-228600" algn="l" defTabSz="914400" rtl="0" eaLnBrk="1" latinLnBrk="0" hangingPunct="1">
         <a:lnSpc>
-          <a:spcPct val="94000"/>
+          <a:spcPct val="90000"/>
         </a:lnSpc>
         <a:spcBef>
           <a:spcPts val="500"/>
         </a:spcBef>
-        <a:spcAft>
-          <a:spcPts val="200"/>
-        </a:spcAft>
-        <a:buFont typeface="Franklin Gothic Book" panose="020B0503020102020204" pitchFamily="34" charset="0"/>
-        <a:buChar char="–"/>
-        <a:defRPr sz="2000" i="1" kern="1200" baseline="0">
+        <a:buFont typeface="Arial" panose="020B0604020202020204" pitchFamily="34" charset="0"/>
+        <a:buChar char="•"/>
+        <a:defRPr sz="2400" kern="1200">
           <a:solidFill>
-            <a:schemeClr val="tx2"/>
+            <a:schemeClr val="tx1"/>
           </a:solidFill>
           <a:latin typeface="+mn-lt"/>
           <a:ea typeface="+mn-ea"/>
           <a:cs typeface="+mn-cs"/>
         </a:defRPr>
       </a:lvl2pPr>
-      <a:lvl3pPr marL="1371600" indent="-384048" algn="l" defTabSz="914400" rtl="0" eaLnBrk="1" latinLnBrk="0" hangingPunct="1">
+      <a:lvl3pPr marL="1143000" indent="-228600" algn="l" defTabSz="914400" rtl="0" eaLnBrk="1" latinLnBrk="0" hangingPunct="1">
         <a:lnSpc>
-          <a:spcPct val="94000"/>
+          <a:spcPct val="90000"/>
         </a:lnSpc>
         <a:spcBef>
           <a:spcPts val="500"/>
         </a:spcBef>
-        <a:spcAft>
-          <a:spcPts val="200"/>
-        </a:spcAft>
-        <a:buFont typeface="Franklin Gothic Book" panose="020B0503020102020204" pitchFamily="34" charset="0"/>
-        <a:buChar char="■"/>
-        <a:defRPr sz="1800" kern="1200" baseline="0">
+        <a:buFont typeface="Arial" panose="020B0604020202020204" pitchFamily="34" charset="0"/>
+        <a:buChar char="•"/>
+        <a:defRPr sz="2000" kern="1200">
           <a:solidFill>
-            <a:schemeClr val="tx2"/>
+            <a:schemeClr val="tx1"/>
           </a:solidFill>
           <a:latin typeface="+mn-lt"/>
           <a:ea typeface="+mn-ea"/>
           <a:cs typeface="+mn-cs"/>
         </a:defRPr>
       </a:lvl3pPr>
-      <a:lvl4pPr marL="1828800" indent="-384048" algn="l" defTabSz="914400" rtl="0" eaLnBrk="1" latinLnBrk="0" hangingPunct="1">
+      <a:lvl4pPr marL="1600200" indent="-228600" algn="l" defTabSz="914400" rtl="0" eaLnBrk="1" latinLnBrk="0" hangingPunct="1">
         <a:lnSpc>
-          <a:spcPct val="94000"/>
+          <a:spcPct val="90000"/>
         </a:lnSpc>
         <a:spcBef>
           <a:spcPts val="500"/>
         </a:spcBef>
-        <a:spcAft>
-          <a:spcPts val="200"/>
-        </a:spcAft>
-        <a:buFont typeface="Franklin Gothic Book" panose="020B0503020102020204" pitchFamily="34" charset="0"/>
-        <a:buChar char="–"/>
-        <a:defRPr sz="1800" i="1" kern="1200" baseline="0">
+        <a:buFont typeface="Arial" panose="020B0604020202020204" pitchFamily="34" charset="0"/>
+        <a:buChar char="•"/>
+        <a:defRPr sz="1800" kern="1200">
           <a:solidFill>
-            <a:schemeClr val="tx2"/>
+            <a:schemeClr val="tx1"/>
           </a:solidFill>
           <a:latin typeface="+mn-lt"/>
           <a:ea typeface="+mn-ea"/>
           <a:cs typeface="+mn-cs"/>
         </a:defRPr>
       </a:lvl4pPr>
-      <a:lvl5pPr marL="2286000" indent="-384048" algn="l" defTabSz="914400" rtl="0" eaLnBrk="1" latinLnBrk="0" hangingPunct="1">
+      <a:lvl5pPr marL="2057400" indent="-228600" algn="l" defTabSz="914400" rtl="0" eaLnBrk="1" latinLnBrk="0" hangingPunct="1">
         <a:lnSpc>
-          <a:spcPct val="94000"/>
+          <a:spcPct val="90000"/>
         </a:lnSpc>
         <a:spcBef>
           <a:spcPts val="500"/>
         </a:spcBef>
-        <a:spcAft>
-          <a:spcPts val="200"/>
-        </a:spcAft>
-        <a:buFont typeface="Franklin Gothic Book" panose="020B0503020102020204" pitchFamily="34" charset="0"/>
-        <a:buChar char="■"/>
-        <a:defRPr sz="1600" kern="1200" baseline="0">
+        <a:buFont typeface="Arial" panose="020B0604020202020204" pitchFamily="34" charset="0"/>
+        <a:buChar char="•"/>
+        <a:defRPr sz="1800" kern="1200">
           <a:solidFill>
-            <a:schemeClr val="tx2"/>
+            <a:schemeClr val="tx1"/>
           </a:solidFill>
           <a:latin typeface="+mn-lt"/>
           <a:ea typeface="+mn-ea"/>
           <a:cs typeface="+mn-cs"/>
         </a:defRPr>
       </a:lvl5pPr>
-      <a:lvl6pPr marL="2743200" indent="-384048" algn="l" defTabSz="914400" rtl="0" eaLnBrk="1" latinLnBrk="0" hangingPunct="1">
+      <a:lvl6pPr marL="2514600" indent="-228600" algn="l" defTabSz="914400" rtl="0" eaLnBrk="1" latinLnBrk="0" hangingPunct="1">
         <a:lnSpc>
-          <a:spcPct val="94000"/>
+          <a:spcPct val="90000"/>
         </a:lnSpc>
         <a:spcBef>
           <a:spcPts val="500"/>
         </a:spcBef>
-        <a:spcAft>
-          <a:spcPts val="200"/>
-        </a:spcAft>
-        <a:buFont typeface="Franklin Gothic Book" panose="020B0503020102020204" pitchFamily="34" charset="0"/>
-        <a:buChar char="–"/>
-        <a:defRPr sz="1600" i="1" kern="1200" baseline="0">
+        <a:buFont typeface="Arial" panose="020B0604020202020204" pitchFamily="34" charset="0"/>
+        <a:buChar char="•"/>
+        <a:defRPr sz="1800" kern="1200">
           <a:solidFill>
-            <a:schemeClr val="tx2"/>
+            <a:schemeClr val="tx1"/>
           </a:solidFill>
           <a:latin typeface="+mn-lt"/>
           <a:ea typeface="+mn-ea"/>
           <a:cs typeface="+mn-cs"/>
         </a:defRPr>
       </a:lvl6pPr>
-      <a:lvl7pPr marL="3200400" indent="-384048" algn="l" defTabSz="914400" rtl="0" eaLnBrk="1" latinLnBrk="0" hangingPunct="1">
+      <a:lvl7pPr marL="2971800" indent="-228600" algn="l" defTabSz="914400" rtl="0" eaLnBrk="1" latinLnBrk="0" hangingPunct="1">
         <a:lnSpc>
-          <a:spcPct val="94000"/>
+          <a:spcPct val="90000"/>
         </a:lnSpc>
         <a:spcBef>
           <a:spcPts val="500"/>
         </a:spcBef>
-        <a:spcAft>
-          <a:spcPts val="200"/>
-        </a:spcAft>
-        <a:buFont typeface="Franklin Gothic Book" panose="020B0503020102020204" pitchFamily="34" charset="0"/>
-        <a:buChar char="■"/>
-        <a:defRPr sz="1400" kern="1200" baseline="0">
+        <a:buFont typeface="Arial" panose="020B0604020202020204" pitchFamily="34" charset="0"/>
+        <a:buChar char="•"/>
+        <a:defRPr sz="1800" kern="1200">
           <a:solidFill>
-            <a:schemeClr val="tx2"/>
+            <a:schemeClr val="tx1"/>
           </a:solidFill>
           <a:latin typeface="+mn-lt"/>
           <a:ea typeface="+mn-ea"/>
           <a:cs typeface="+mn-cs"/>
         </a:defRPr>
       </a:lvl7pPr>
-      <a:lvl8pPr marL="3657600" indent="-384048" algn="l" defTabSz="914400" rtl="0" eaLnBrk="1" latinLnBrk="0" hangingPunct="1">
+      <a:lvl8pPr marL="3429000" indent="-228600" algn="l" defTabSz="914400" rtl="0" eaLnBrk="1" latinLnBrk="0" hangingPunct="1">
         <a:lnSpc>
-          <a:spcPct val="94000"/>
+          <a:spcPct val="90000"/>
         </a:lnSpc>
         <a:spcBef>
           <a:spcPts val="500"/>
         </a:spcBef>
-        <a:spcAft>
-          <a:spcPts val="200"/>
-        </a:spcAft>
-        <a:buFont typeface="Franklin Gothic Book" panose="020B0503020102020204" pitchFamily="34" charset="0"/>
-        <a:buChar char="–"/>
-        <a:defRPr sz="1400" i="1" kern="1200" baseline="0">
+        <a:buFont typeface="Arial" panose="020B0604020202020204" pitchFamily="34" charset="0"/>
+        <a:buChar char="•"/>
+        <a:defRPr sz="1800" kern="1200">
           <a:solidFill>
-            <a:schemeClr val="tx2"/>
+            <a:schemeClr val="tx1"/>
           </a:solidFill>
           <a:latin typeface="+mn-lt"/>
           <a:ea typeface="+mn-ea"/>
           <a:cs typeface="+mn-cs"/>
         </a:defRPr>
       </a:lvl8pPr>
-      <a:lvl9pPr marL="4114800" indent="-384048" algn="l" defTabSz="914400" rtl="0" eaLnBrk="1" latinLnBrk="0" hangingPunct="1">
+      <a:lvl9pPr marL="3886200" indent="-228600" algn="l" defTabSz="914400" rtl="0" eaLnBrk="1" latinLnBrk="0" hangingPunct="1">
         <a:lnSpc>
-          <a:spcPct val="94000"/>
+          <a:spcPct val="90000"/>
         </a:lnSpc>
         <a:spcBef>
           <a:spcPts val="500"/>
         </a:spcBef>
-        <a:spcAft>
-          <a:spcPts val="200"/>
-        </a:spcAft>
-        <a:buFont typeface="Franklin Gothic Book" panose="020B0503020102020204" pitchFamily="34" charset="0"/>
-        <a:buChar char="■"/>
-        <a:defRPr sz="1400" kern="1200" baseline="0">
+        <a:buFont typeface="Arial" panose="020B0604020202020204" pitchFamily="34" charset="0"/>
+        <a:buChar char="•"/>
+        <a:defRPr sz="1800" kern="1200">
           <a:solidFill>
-            <a:schemeClr val="tx2"/>
+            <a:schemeClr val="tx1"/>
           </a:solidFill>
           <a:latin typeface="+mn-lt"/>
           <a:ea typeface="+mn-ea"/>
@@ -4480,48 +3655,7 @@
   </p:txStyles>
   <p:extLst>
     <p:ext uri="{27BBF7A9-308A-43DC-89C8-2F10F3537804}">
-      <p15:sldGuideLst xmlns:p15="http://schemas.microsoft.com/office/powerpoint/2012/main">
-        <p15:guide id="3" orient="horz" pos="1368">
-          <p15:clr>
-            <a:srgbClr val="F26B43"/>
-          </p15:clr>
-        </p15:guide>
-        <p15:guide id="4" orient="horz" pos="1440">
-          <p15:clr>
-            <a:srgbClr val="F26B43"/>
-          </p15:clr>
-        </p15:guide>
-        <p15:guide id="6" orient="horz" pos="3696">
-          <p15:clr>
-            <a:srgbClr val="F26B43"/>
-          </p15:clr>
-        </p15:guide>
-        <p15:guide id="7" orient="horz" pos="432">
-          <p15:clr>
-            <a:srgbClr val="F26B43"/>
-          </p15:clr>
-        </p15:guide>
-        <p15:guide id="8" orient="horz" pos="1512">
-          <p15:clr>
-            <a:srgbClr val="F26B43"/>
-          </p15:clr>
-        </p15:guide>
-        <p15:guide id="9" pos="6912">
-          <p15:clr>
-            <a:srgbClr val="F26B43"/>
-          </p15:clr>
-        </p15:guide>
-        <p15:guide id="10" pos="936">
-          <p15:clr>
-            <a:srgbClr val="F26B43"/>
-          </p15:clr>
-        </p15:guide>
-        <p15:guide id="11" pos="864">
-          <p15:clr>
-            <a:srgbClr val="F26B43"/>
-          </p15:clr>
-        </p15:guide>
-      </p15:sldGuideLst>
+      <p15:sldGuideLst xmlns:p15="http://schemas.microsoft.com/office/powerpoint/2012/main"/>
     </p:ext>
   </p:extLst>
 </p:sldMaster>
@@ -4653,7 +3787,7 @@
           <a:p>
             <a:r>
               <a:rPr lang="de-AT" dirty="0"/>
-              <a:t>Idee</a:t>
+              <a:t>Inhalt</a:t>
             </a:r>
           </a:p>
         </p:txBody>
@@ -4678,6 +3812,12 @@
         <p:txBody>
           <a:bodyPr/>
           <a:lstStyle/>
+          <a:p>
+            <a:r>
+              <a:rPr lang="de-AT" dirty="0"/>
+              <a:t>Idee</a:t>
+            </a:r>
+          </a:p>
           <a:p>
             <a:r>
               <a:rPr lang="de-AT" dirty="0"/>
@@ -4722,7 +3862,13 @@
   <p:cSld>
     <p:spTree>
       <p:nvGrpSpPr>
-        <p:cNvPr id="1" name=""/>
+        <p:cNvPr id="1" name="">
+          <a:extLst>
+            <a:ext uri="{FF2B5EF4-FFF2-40B4-BE49-F238E27FC236}">
+              <a16:creationId xmlns:a16="http://schemas.microsoft.com/office/drawing/2014/main" id="{DD902742-AB66-7DD5-8FFB-875BE8625ED5}"/>
+            </a:ext>
+          </a:extLst>
+        </p:cNvPr>
         <p:cNvGrpSpPr/>
         <p:nvPr/>
       </p:nvGrpSpPr>
@@ -4739,7 +3885,7 @@
           <p:cNvPr id="2" name="Titel 1">
             <a:extLst>
               <a:ext uri="{FF2B5EF4-FFF2-40B4-BE49-F238E27FC236}">
-                <a16:creationId xmlns:a16="http://schemas.microsoft.com/office/drawing/2014/main" id="{64A04918-7D7E-122D-6DD2-02710FAD7970}"/>
+                <a16:creationId xmlns:a16="http://schemas.microsoft.com/office/drawing/2014/main" id="{9816AF57-43D7-D8EA-7EB7-6488D4BA49ED}"/>
               </a:ext>
             </a:extLst>
           </p:cNvPr>
@@ -4756,9 +3902,10 @@
           <a:lstStyle/>
           <a:p>
             <a:r>
-              <a:rPr lang="de-AT" dirty="0"/>
-              <a:t>Multiplayer</a:t>
-            </a:r>
+              <a:rPr lang="de-AT"/>
+              <a:t>Idee</a:t>
+            </a:r>
+            <a:endParaRPr lang="de-AT" dirty="0"/>
           </a:p>
         </p:txBody>
       </p:sp>
@@ -4767,7 +3914,7 @@
           <p:cNvPr id="3" name="Inhaltsplatzhalter 2">
             <a:extLst>
               <a:ext uri="{FF2B5EF4-FFF2-40B4-BE49-F238E27FC236}">
-                <a16:creationId xmlns:a16="http://schemas.microsoft.com/office/drawing/2014/main" id="{5F42B8F4-1A25-3C7A-4DCA-805D0CD13598}"/>
+                <a16:creationId xmlns:a16="http://schemas.microsoft.com/office/drawing/2014/main" id="{F8A4E1F9-185E-9AF8-95CA-4BE6897B7A45}"/>
               </a:ext>
             </a:extLst>
           </p:cNvPr>
@@ -4785,41 +3932,149 @@
           <a:p>
             <a:r>
               <a:rPr lang="de-AT" dirty="0"/>
-              <a:t>Browser</a:t>
+              <a:t>Bekanntes analoges Stadt – Land – Fluss</a:t>
             </a:r>
           </a:p>
           <a:p>
             <a:r>
               <a:rPr lang="de-AT" dirty="0"/>
-              <a:t>Raum erstellen</a:t>
+              <a:t>Online Version:</a:t>
             </a:r>
           </a:p>
           <a:p>
             <a:pPr lvl="1"/>
             <a:r>
               <a:rPr lang="de-AT" dirty="0"/>
-              <a:t>Room-code</a:t>
+              <a:t>Multiplayer</a:t>
             </a:r>
           </a:p>
           <a:p>
             <a:pPr lvl="1"/>
             <a:r>
               <a:rPr lang="de-AT" dirty="0"/>
-              <a:t>über Room-code andere Räume beitreten</a:t>
-            </a:r>
-          </a:p>
-          <a:p>
+              <a:t>Charaktererstellung</a:t>
+            </a:r>
+          </a:p>
+          <a:p>
+            <a:pPr lvl="1"/>
+            <a:r>
+              <a:rPr lang="de-AT" dirty="0" err="1"/>
+              <a:t>Scoreboard</a:t>
+            </a:r>
             <a:endParaRPr lang="de-AT" dirty="0"/>
           </a:p>
           <a:p>
+            <a:pPr lvl="1"/>
+            <a:r>
+              <a:rPr lang="de-AT" dirty="0"/>
+              <a:t>Eigene </a:t>
+            </a:r>
+            <a:r>
+              <a:rPr lang="de-AT" dirty="0" err="1"/>
+              <a:t>Chategorien</a:t>
+            </a:r>
+            <a:r>
+              <a:rPr lang="de-AT" dirty="0"/>
+              <a:t>?</a:t>
+            </a:r>
+          </a:p>
+          <a:p>
+            <a:pPr marL="0" indent="0">
+              <a:buNone/>
+            </a:pPr>
             <a:endParaRPr lang="de-AT" dirty="0"/>
+          </a:p>
+        </p:txBody>
+      </p:sp>
+      <p:pic>
+        <p:nvPicPr>
+          <p:cNvPr id="1026" name="Picture 2" descr="Stadt Land Fluss - Papierspiele.at">
+            <a:extLst>
+              <a:ext uri="{FF2B5EF4-FFF2-40B4-BE49-F238E27FC236}">
+                <a16:creationId xmlns:a16="http://schemas.microsoft.com/office/drawing/2014/main" id="{FEA4BE1D-AF40-2CE3-E68C-258252E2AF59}"/>
+              </a:ext>
+            </a:extLst>
+          </p:cNvPr>
+          <p:cNvPicPr>
+            <a:picLocks noChangeAspect="1" noChangeArrowheads="1"/>
+          </p:cNvPicPr>
+          <p:nvPr/>
+        </p:nvPicPr>
+        <p:blipFill>
+          <a:blip r:embed="rId2">
+            <a:extLst>
+              <a:ext uri="{28A0092B-C50C-407E-A947-70E740481C1C}">
+                <a14:useLocalDpi xmlns:a14="http://schemas.microsoft.com/office/drawing/2010/main" val="0"/>
+              </a:ext>
+            </a:extLst>
+          </a:blip>
+          <a:srcRect/>
+          <a:stretch>
+            <a:fillRect/>
+          </a:stretch>
+        </p:blipFill>
+        <p:spPr bwMode="auto">
+          <a:xfrm>
+            <a:off x="7571678" y="1337217"/>
+            <a:ext cx="4183566" cy="4183566"/>
+          </a:xfrm>
+          <a:prstGeom prst="rect">
+            <a:avLst/>
+          </a:prstGeom>
+          <a:noFill/>
+          <a:extLst>
+            <a:ext uri="{909E8E84-426E-40DD-AFC4-6F175D3DCCD1}">
+              <a14:hiddenFill xmlns:a14="http://schemas.microsoft.com/office/drawing/2010/main">
+                <a:solidFill>
+                  <a:srgbClr val="FFFFFF"/>
+                </a:solidFill>
+              </a14:hiddenFill>
+            </a:ext>
+          </a:extLst>
+        </p:spPr>
+      </p:pic>
+      <p:sp>
+        <p:nvSpPr>
+          <p:cNvPr id="5" name="Textfeld 4">
+            <a:extLst>
+              <a:ext uri="{FF2B5EF4-FFF2-40B4-BE49-F238E27FC236}">
+                <a16:creationId xmlns:a16="http://schemas.microsoft.com/office/drawing/2014/main" id="{63D11CD7-DD49-BC09-9755-AE821B6EFDA6}"/>
+              </a:ext>
+            </a:extLst>
+          </p:cNvPr>
+          <p:cNvSpPr txBox="1"/>
+          <p:nvPr/>
+        </p:nvSpPr>
+        <p:spPr>
+          <a:xfrm>
+            <a:off x="7534667" y="5479541"/>
+            <a:ext cx="2346535" cy="369332"/>
+          </a:xfrm>
+          <a:prstGeom prst="rect">
+            <a:avLst/>
+          </a:prstGeom>
+          <a:noFill/>
+        </p:spPr>
+        <p:txBody>
+          <a:bodyPr wrap="square">
+            <a:spAutoFit/>
+          </a:bodyPr>
+          <a:lstStyle/>
+          <a:p>
+            <a:r>
+              <a:rPr lang="de-DE" dirty="0">
+                <a:hlinkClick r:id="rId3"/>
+              </a:rPr>
+              <a:t>stadt-land-fluss</a:t>
+            </a:r>
+            <a:endParaRPr lang="de-DE" dirty="0"/>
           </a:p>
         </p:txBody>
       </p:sp>
     </p:spTree>
     <p:extLst>
       <p:ext uri="{BB962C8B-B14F-4D97-AF65-F5344CB8AC3E}">
-        <p14:creationId xmlns:p14="http://schemas.microsoft.com/office/powerpoint/2010/main" val="282720922"/>
+        <p14:creationId xmlns:p14="http://schemas.microsoft.com/office/powerpoint/2010/main" val="4282679618"/>
       </p:ext>
     </p:extLst>
   </p:cSld>
@@ -4851,7 +4106,7 @@
           <p:cNvPr id="2" name="Titel 1">
             <a:extLst>
               <a:ext uri="{FF2B5EF4-FFF2-40B4-BE49-F238E27FC236}">
-                <a16:creationId xmlns:a16="http://schemas.microsoft.com/office/drawing/2014/main" id="{171948A4-0E23-C4B1-5D9A-AC148E680460}"/>
+                <a16:creationId xmlns:a16="http://schemas.microsoft.com/office/drawing/2014/main" id="{64A04918-7D7E-122D-6DD2-02710FAD7970}"/>
               </a:ext>
             </a:extLst>
           </p:cNvPr>
@@ -4869,26 +4124,78 @@
           <a:p>
             <a:r>
               <a:rPr lang="de-AT" dirty="0"/>
-              <a:t>Charakterauswahl</a:t>
-            </a:r>
+              <a:t>Multiplayer</a:t>
+            </a:r>
+          </a:p>
+        </p:txBody>
+      </p:sp>
+      <p:sp>
+        <p:nvSpPr>
+          <p:cNvPr id="3" name="Inhaltsplatzhalter 2">
+            <a:extLst>
+              <a:ext uri="{FF2B5EF4-FFF2-40B4-BE49-F238E27FC236}">
+                <a16:creationId xmlns:a16="http://schemas.microsoft.com/office/drawing/2014/main" id="{5F42B8F4-1A25-3C7A-4DCA-805D0CD13598}"/>
+              </a:ext>
+            </a:extLst>
+          </p:cNvPr>
+          <p:cNvSpPr>
+            <a:spLocks noGrp="1"/>
+          </p:cNvSpPr>
+          <p:nvPr>
+            <p:ph idx="1"/>
+          </p:nvPr>
+        </p:nvSpPr>
+        <p:spPr/>
+        <p:txBody>
+          <a:bodyPr/>
+          <a:lstStyle/>
+          <a:p>
+            <a:r>
+              <a:rPr lang="de-AT" dirty="0"/>
+              <a:t>Browser</a:t>
+            </a:r>
+          </a:p>
+          <a:p>
+            <a:r>
+              <a:rPr lang="de-AT" dirty="0"/>
+              <a:t>Private Räume:</a:t>
+            </a:r>
+          </a:p>
+          <a:p>
+            <a:pPr lvl="1"/>
+            <a:r>
+              <a:rPr lang="de-AT" dirty="0"/>
+              <a:t>Room-code</a:t>
+            </a:r>
+          </a:p>
+          <a:p>
+            <a:pPr lvl="1"/>
+            <a:r>
+              <a:rPr lang="de-AT" dirty="0"/>
+              <a:t>andere Räume beitreten</a:t>
+            </a:r>
+          </a:p>
+          <a:p>
+            <a:endParaRPr lang="de-AT" dirty="0"/>
+          </a:p>
+          <a:p>
+            <a:endParaRPr lang="de-AT" dirty="0"/>
           </a:p>
         </p:txBody>
       </p:sp>
       <p:pic>
         <p:nvPicPr>
-          <p:cNvPr id="5" name="Inhaltsplatzhalter 4" descr="Ein Bild, das Text, Screenshot, Cartoon, Symbol enthält.&#10;&#10;Automatisch generierte Beschreibung">
+          <p:cNvPr id="5" name="Grafik 4" descr="Ein Bild, das Text, Screenshot, Logo, Schrift enthält.&#10;&#10;Automatisch generierte Beschreibung">
             <a:extLst>
               <a:ext uri="{FF2B5EF4-FFF2-40B4-BE49-F238E27FC236}">
-                <a16:creationId xmlns:a16="http://schemas.microsoft.com/office/drawing/2014/main" id="{66BD9725-F700-AB71-E3F6-882A44B9D497}"/>
+                <a16:creationId xmlns:a16="http://schemas.microsoft.com/office/drawing/2014/main" id="{B39F553A-AF38-BF4E-8720-DE6CA14FDBA1}"/>
               </a:ext>
             </a:extLst>
           </p:cNvPr>
           <p:cNvPicPr>
-            <a:picLocks noGrp="1" noChangeAspect="1"/>
+            <a:picLocks noChangeAspect="1"/>
           </p:cNvPicPr>
-          <p:nvPr>
-            <p:ph idx="1"/>
-          </p:nvPr>
+          <p:nvPr/>
         </p:nvPicPr>
         <p:blipFill>
           <a:blip r:embed="rId2"/>
@@ -4898,60 +4205,56 @@
         </p:blipFill>
         <p:spPr>
           <a:xfrm>
-            <a:off x="1270000" y="2171700"/>
-            <a:ext cx="4902200" cy="3124200"/>
+            <a:off x="6780833" y="1825625"/>
+            <a:ext cx="4439153" cy="3393146"/>
           </a:xfrm>
           <a:prstGeom prst="rect">
             <a:avLst/>
           </a:prstGeom>
-          <a:ln>
-            <a:noFill/>
-          </a:ln>
-          <a:effectLst>
-            <a:softEdge rad="112500"/>
-          </a:effectLst>
         </p:spPr>
       </p:pic>
-      <p:pic>
-        <p:nvPicPr>
-          <p:cNvPr id="7" name="Grafik 6" descr="Ein Bild, das Cartoon, Zeichnung, Smiley, Grafiken enthält.&#10;&#10;Automatisch generierte Beschreibung">
+      <p:sp>
+        <p:nvSpPr>
+          <p:cNvPr id="7" name="Textfeld 6">
             <a:extLst>
               <a:ext uri="{FF2B5EF4-FFF2-40B4-BE49-F238E27FC236}">
-                <a16:creationId xmlns:a16="http://schemas.microsoft.com/office/drawing/2014/main" id="{42E99FCB-1702-AFA9-E2BE-7D9545D2F68A}"/>
+                <a16:creationId xmlns:a16="http://schemas.microsoft.com/office/drawing/2014/main" id="{03C94D7A-A543-7CF4-E2C6-F905DD433D80}"/>
               </a:ext>
             </a:extLst>
           </p:cNvPr>
-          <p:cNvPicPr>
-            <a:picLocks noChangeAspect="1"/>
-          </p:cNvPicPr>
+          <p:cNvSpPr txBox="1"/>
           <p:nvPr/>
-        </p:nvPicPr>
-        <p:blipFill>
-          <a:blip r:embed="rId3"/>
-          <a:stretch>
-            <a:fillRect/>
-          </a:stretch>
-        </p:blipFill>
+        </p:nvSpPr>
         <p:spPr>
           <a:xfrm>
-            <a:off x="8115300" y="2356193"/>
-            <a:ext cx="2806700" cy="2730500"/>
+            <a:off x="6780833" y="5218771"/>
+            <a:ext cx="3846044" cy="369332"/>
           </a:xfrm>
           <a:prstGeom prst="rect">
             <a:avLst/>
           </a:prstGeom>
-          <a:ln>
-            <a:noFill/>
-          </a:ln>
-          <a:effectLst>
-            <a:softEdge rad="112500"/>
-          </a:effectLst>
+          <a:noFill/>
         </p:spPr>
-      </p:pic>
+        <p:txBody>
+          <a:bodyPr wrap="square">
+            <a:spAutoFit/>
+          </a:bodyPr>
+          <a:lstStyle/>
+          <a:p>
+            <a:r>
+              <a:rPr lang="de-DE" dirty="0">
+                <a:hlinkClick r:id="rId3"/>
+              </a:rPr>
+              <a:t>makeitmeme.com</a:t>
+            </a:r>
+            <a:endParaRPr lang="de-DE" dirty="0"/>
+          </a:p>
+        </p:txBody>
+      </p:sp>
     </p:spTree>
     <p:extLst>
       <p:ext uri="{BB962C8B-B14F-4D97-AF65-F5344CB8AC3E}">
-        <p14:creationId xmlns:p14="http://schemas.microsoft.com/office/powerpoint/2010/main" val="1839417463"/>
+        <p14:creationId xmlns:p14="http://schemas.microsoft.com/office/powerpoint/2010/main" val="282720922"/>
       </p:ext>
     </p:extLst>
   </p:cSld>
@@ -4978,6 +4281,213 @@
           <a:chExt cx="0" cy="0"/>
         </a:xfrm>
       </p:grpSpPr>
+      <p:pic>
+        <p:nvPicPr>
+          <p:cNvPr id="6" name="Grafik 5" descr="Ein Bild, das Cartoon, Zeichnung, Smiley, Grafiken enthält.&#10;&#10;Automatisch generierte Beschreibung">
+            <a:extLst>
+              <a:ext uri="{FF2B5EF4-FFF2-40B4-BE49-F238E27FC236}">
+                <a16:creationId xmlns:a16="http://schemas.microsoft.com/office/drawing/2014/main" id="{CA68552C-AEA9-8DB2-75B6-C40C56835AC4}"/>
+              </a:ext>
+            </a:extLst>
+          </p:cNvPr>
+          <p:cNvPicPr>
+            <a:picLocks noChangeAspect="1"/>
+          </p:cNvPicPr>
+          <p:nvPr/>
+        </p:nvPicPr>
+        <p:blipFill>
+          <a:blip r:embed="rId2"/>
+          <a:stretch>
+            <a:fillRect/>
+          </a:stretch>
+        </p:blipFill>
+        <p:spPr>
+          <a:xfrm>
+            <a:off x="7873637" y="2172135"/>
+            <a:ext cx="3048363" cy="3123765"/>
+          </a:xfrm>
+          <a:prstGeom prst="rect">
+            <a:avLst/>
+          </a:prstGeom>
+          <a:effectLst>
+            <a:softEdge rad="63500"/>
+          </a:effectLst>
+        </p:spPr>
+      </p:pic>
+      <p:sp>
+        <p:nvSpPr>
+          <p:cNvPr id="2" name="Titel 1">
+            <a:extLst>
+              <a:ext uri="{FF2B5EF4-FFF2-40B4-BE49-F238E27FC236}">
+                <a16:creationId xmlns:a16="http://schemas.microsoft.com/office/drawing/2014/main" id="{171948A4-0E23-C4B1-5D9A-AC148E680460}"/>
+              </a:ext>
+            </a:extLst>
+          </p:cNvPr>
+          <p:cNvSpPr>
+            <a:spLocks noGrp="1"/>
+          </p:cNvSpPr>
+          <p:nvPr>
+            <p:ph type="title"/>
+          </p:nvPr>
+        </p:nvSpPr>
+        <p:spPr/>
+        <p:txBody>
+          <a:bodyPr/>
+          <a:lstStyle/>
+          <a:p>
+            <a:r>
+              <a:rPr lang="de-AT" dirty="0"/>
+              <a:t>Charakterauswahl</a:t>
+            </a:r>
+          </a:p>
+        </p:txBody>
+      </p:sp>
+      <p:pic>
+        <p:nvPicPr>
+          <p:cNvPr id="5" name="Inhaltsplatzhalter 4" descr="Ein Bild, das Text, Screenshot, Cartoon, Symbol enthält.&#10;&#10;Automatisch generierte Beschreibung">
+            <a:extLst>
+              <a:ext uri="{FF2B5EF4-FFF2-40B4-BE49-F238E27FC236}">
+                <a16:creationId xmlns:a16="http://schemas.microsoft.com/office/drawing/2014/main" id="{66BD9725-F700-AB71-E3F6-882A44B9D497}"/>
+              </a:ext>
+            </a:extLst>
+          </p:cNvPr>
+          <p:cNvPicPr>
+            <a:picLocks noGrp="1" noChangeAspect="1"/>
+          </p:cNvPicPr>
+          <p:nvPr>
+            <p:ph idx="1"/>
+          </p:nvPr>
+        </p:nvPicPr>
+        <p:blipFill>
+          <a:blip r:embed="rId3"/>
+          <a:stretch>
+            <a:fillRect/>
+          </a:stretch>
+        </p:blipFill>
+        <p:spPr>
+          <a:xfrm>
+            <a:off x="1270000" y="2171700"/>
+            <a:ext cx="4902200" cy="3124200"/>
+          </a:xfrm>
+          <a:prstGeom prst="rect">
+            <a:avLst/>
+          </a:prstGeom>
+          <a:ln>
+            <a:noFill/>
+          </a:ln>
+          <a:effectLst>
+            <a:softEdge rad="63500"/>
+          </a:effectLst>
+        </p:spPr>
+      </p:pic>
+      <p:sp>
+        <p:nvSpPr>
+          <p:cNvPr id="3" name="Textfeld 2">
+            <a:extLst>
+              <a:ext uri="{FF2B5EF4-FFF2-40B4-BE49-F238E27FC236}">
+                <a16:creationId xmlns:a16="http://schemas.microsoft.com/office/drawing/2014/main" id="{9C7D0654-A7E7-4A75-C3E6-B9ADF5744B0B}"/>
+              </a:ext>
+            </a:extLst>
+          </p:cNvPr>
+          <p:cNvSpPr txBox="1"/>
+          <p:nvPr/>
+        </p:nvSpPr>
+        <p:spPr>
+          <a:xfrm>
+            <a:off x="8052163" y="5351781"/>
+            <a:ext cx="2718526" cy="369332"/>
+          </a:xfrm>
+          <a:prstGeom prst="rect">
+            <a:avLst/>
+          </a:prstGeom>
+          <a:noFill/>
+        </p:spPr>
+        <p:txBody>
+          <a:bodyPr wrap="square" rtlCol="0">
+            <a:spAutoFit/>
+          </a:bodyPr>
+          <a:lstStyle/>
+          <a:p>
+            <a:pPr algn="ctr"/>
+            <a:r>
+              <a:rPr lang="de-DE" dirty="0">
+                <a:hlinkClick r:id="rId4"/>
+              </a:rPr>
+              <a:t>gardic-phone</a:t>
+            </a:r>
+            <a:endParaRPr lang="de-DE" dirty="0"/>
+          </a:p>
+        </p:txBody>
+      </p:sp>
+      <p:sp>
+        <p:nvSpPr>
+          <p:cNvPr id="10" name="Textfeld 9">
+            <a:extLst>
+              <a:ext uri="{FF2B5EF4-FFF2-40B4-BE49-F238E27FC236}">
+                <a16:creationId xmlns:a16="http://schemas.microsoft.com/office/drawing/2014/main" id="{722AE8D4-4FC4-A3D1-4770-250B350F253B}"/>
+              </a:ext>
+            </a:extLst>
+          </p:cNvPr>
+          <p:cNvSpPr txBox="1"/>
+          <p:nvPr/>
+        </p:nvSpPr>
+        <p:spPr>
+          <a:xfrm>
+            <a:off x="2780574" y="5351781"/>
+            <a:ext cx="1881051" cy="369332"/>
+          </a:xfrm>
+          <a:prstGeom prst="rect">
+            <a:avLst/>
+          </a:prstGeom>
+          <a:noFill/>
+        </p:spPr>
+        <p:txBody>
+          <a:bodyPr wrap="square">
+            <a:spAutoFit/>
+          </a:bodyPr>
+          <a:lstStyle/>
+          <a:p>
+            <a:pPr algn="ctr"/>
+            <a:r>
+              <a:rPr lang="de-DE" dirty="0">
+                <a:hlinkClick r:id="rId5"/>
+              </a:rPr>
+              <a:t>skribbl.io</a:t>
+            </a:r>
+            <a:endParaRPr lang="de-DE" dirty="0"/>
+          </a:p>
+        </p:txBody>
+      </p:sp>
+    </p:spTree>
+    <p:extLst>
+      <p:ext uri="{BB962C8B-B14F-4D97-AF65-F5344CB8AC3E}">
+        <p14:creationId xmlns:p14="http://schemas.microsoft.com/office/powerpoint/2010/main" val="1839417463"/>
+      </p:ext>
+    </p:extLst>
+  </p:cSld>
+  <p:clrMapOvr>
+    <a:masterClrMapping/>
+  </p:clrMapOvr>
+</p:sld>
+</file>
+
+<file path=ppt/slides/slide6.xml><?xml version="1.0" encoding="utf-8"?>
+<p:sld xmlns:a="http://schemas.openxmlformats.org/drawingml/2006/main" xmlns:r="http://schemas.openxmlformats.org/officeDocument/2006/relationships" xmlns:p="http://schemas.openxmlformats.org/presentationml/2006/main">
+  <p:cSld>
+    <p:spTree>
+      <p:nvGrpSpPr>
+        <p:cNvPr id="1" name=""/>
+        <p:cNvGrpSpPr/>
+        <p:nvPr/>
+      </p:nvGrpSpPr>
+      <p:grpSpPr>
+        <a:xfrm>
+          <a:off x="0" y="0"/>
+          <a:ext cx="0" cy="0"/>
+          <a:chOff x="0" y="0"/>
+          <a:chExt cx="0" cy="0"/>
+        </a:xfrm>
+      </p:grpSpPr>
       <p:sp>
         <p:nvSpPr>
           <p:cNvPr id="2" name="Titel 1">
@@ -5001,7 +4511,7 @@
           <a:p>
             <a:r>
               <a:rPr lang="de-AT" dirty="0"/>
-              <a:t>Punkteauswertung</a:t>
+              <a:t>Score</a:t>
             </a:r>
           </a:p>
         </p:txBody>
@@ -5029,34 +4539,28 @@
           <a:p>
             <a:r>
               <a:rPr lang="de-AT" dirty="0"/>
-              <a:t>Stadt-Land-Vollpfosten Standard Punkteauswertung</a:t>
-            </a:r>
-          </a:p>
-          <a:p>
+              <a:t>Auswertung</a:t>
+            </a:r>
+          </a:p>
+          <a:p>
+            <a:pPr lvl="1"/>
             <a:r>
               <a:rPr lang="de-AT" dirty="0"/>
-              <a:t>Wenn man etwas:</a:t>
+              <a:t>Einzigartig - 10 Punkte</a:t>
             </a:r>
           </a:p>
           <a:p>
             <a:pPr lvl="1"/>
             <a:r>
               <a:rPr lang="de-AT" dirty="0"/>
-              <a:t>alleine hat 10 Punkte</a:t>
+              <a:t>Mehrfach vorhanden - 5 Punkte </a:t>
             </a:r>
           </a:p>
           <a:p>
             <a:pPr lvl="1"/>
             <a:r>
               <a:rPr lang="de-AT" dirty="0"/>
-              <a:t>mehrere 5 Punkte </a:t>
-            </a:r>
-          </a:p>
-          <a:p>
-            <a:pPr lvl="1"/>
-            <a:r>
-              <a:rPr lang="de-AT" dirty="0"/>
-              <a:t>nichts 0 Punkte</a:t>
+              <a:t>Nichts - 0 Punkte</a:t>
             </a:r>
           </a:p>
           <a:p>
@@ -5069,14 +4573,22 @@
             <a:pPr lvl="1"/>
             <a:r>
               <a:rPr lang="de-AT" dirty="0"/>
-              <a:t>doppelte Punktezahl</a:t>
+              <a:t>2x Punktezahl</a:t>
             </a:r>
           </a:p>
           <a:p>
             <a:r>
               <a:rPr lang="de-AT" dirty="0"/>
+              <a:t>Zukünftig:</a:t>
+            </a:r>
+          </a:p>
+          <a:p>
+            <a:pPr lvl="1"/>
+            <a:r>
+              <a:rPr lang="de-AT" dirty="0" err="1"/>
               <a:t>Leaderboard</a:t>
             </a:r>
+            <a:endParaRPr lang="de-AT" dirty="0"/>
           </a:p>
         </p:txBody>
       </p:sp>
@@ -5138,7 +4650,7 @@
 </p:sld>
 </file>
 
-<file path=ppt/slides/slide6.xml><?xml version="1.0" encoding="utf-8"?>
+<file path=ppt/slides/slide7.xml><?xml version="1.0" encoding="utf-8"?>
 <p:sld xmlns:a="http://schemas.openxmlformats.org/drawingml/2006/main" xmlns:r="http://schemas.openxmlformats.org/officeDocument/2006/relationships" xmlns:p="http://schemas.openxmlformats.org/presentationml/2006/main">
   <p:cSld>
     <p:spTree>
@@ -5205,7 +4717,7 @@
           <a:lstStyle/>
           <a:p>
             <a:r>
-              <a:rPr lang="de-AT" dirty="0"/>
+              <a:rPr lang="de-AT" b="1" dirty="0"/>
               <a:t>Frontend</a:t>
             </a:r>
           </a:p>
@@ -5232,7 +4744,7 @@
           </a:p>
           <a:p>
             <a:r>
-              <a:rPr lang="de-AT" dirty="0"/>
+              <a:rPr lang="de-AT" b="1" dirty="0"/>
               <a:t>Backend</a:t>
             </a:r>
           </a:p>
@@ -5274,7 +4786,7 @@
         </p:blipFill>
         <p:spPr>
           <a:xfrm>
-            <a:off x="7778045" y="3979832"/>
+            <a:off x="7743919" y="681037"/>
             <a:ext cx="2303546" cy="1220879"/>
           </a:xfrm>
           <a:prstGeom prst="rect">
@@ -5304,8 +4816,38 @@
         </p:blipFill>
         <p:spPr>
           <a:xfrm>
-            <a:off x="5599387" y="648405"/>
+            <a:off x="5599387" y="1033066"/>
             <a:ext cx="6592613" cy="3681589"/>
+          </a:xfrm>
+          <a:prstGeom prst="rect">
+            <a:avLst/>
+          </a:prstGeom>
+        </p:spPr>
+      </p:pic>
+      <p:pic>
+        <p:nvPicPr>
+          <p:cNvPr id="6" name="Grafik 5">
+            <a:extLst>
+              <a:ext uri="{FF2B5EF4-FFF2-40B4-BE49-F238E27FC236}">
+                <a16:creationId xmlns:a16="http://schemas.microsoft.com/office/drawing/2014/main" id="{E664FD77-C4CF-8A06-DC7F-D72FCB6A54CE}"/>
+              </a:ext>
+            </a:extLst>
+          </p:cNvPr>
+          <p:cNvPicPr>
+            <a:picLocks noChangeAspect="1"/>
+          </p:cNvPicPr>
+          <p:nvPr/>
+        </p:nvPicPr>
+        <p:blipFill>
+          <a:blip r:embed="rId5"/>
+          <a:stretch>
+            <a:fillRect/>
+          </a:stretch>
+        </p:blipFill>
+        <p:spPr>
+          <a:xfrm>
+            <a:off x="7217879" y="4139098"/>
+            <a:ext cx="3355625" cy="1717674"/>
           </a:xfrm>
           <a:prstGeom prst="rect">
             <a:avLst/>
@@ -5325,7 +4867,7 @@
 </p:sld>
 </file>
 
-<file path=ppt/slides/slide7.xml><?xml version="1.0" encoding="utf-8"?>
+<file path=ppt/slides/slide8.xml><?xml version="1.0" encoding="utf-8"?>
 <p:sld xmlns:a="http://schemas.openxmlformats.org/drawingml/2006/main" xmlns:r="http://schemas.openxmlformats.org/officeDocument/2006/relationships" xmlns:p="http://schemas.openxmlformats.org/presentationml/2006/main">
   <p:cSld>
     <p:spTree>
@@ -5384,16 +4926,44 @@
           </p:cNvPicPr>
           <p:nvPr/>
         </p:nvPicPr>
-        <p:blipFill>
+        <p:blipFill rotWithShape="1">
           <a:blip r:embed="rId2"/>
-          <a:stretch>
-            <a:fillRect/>
-          </a:stretch>
+          <a:srcRect r="47715"/>
+          <a:stretch/>
         </p:blipFill>
         <p:spPr>
           <a:xfrm>
-            <a:off x="722376" y="2635853"/>
-            <a:ext cx="11387328" cy="1586294"/>
+            <a:off x="838200" y="1690688"/>
+            <a:ext cx="8076144" cy="2151737"/>
+          </a:xfrm>
+          <a:prstGeom prst="rect">
+            <a:avLst/>
+          </a:prstGeom>
+        </p:spPr>
+      </p:pic>
+      <p:pic>
+        <p:nvPicPr>
+          <p:cNvPr id="3" name="Grafik 2">
+            <a:extLst>
+              <a:ext uri="{FF2B5EF4-FFF2-40B4-BE49-F238E27FC236}">
+                <a16:creationId xmlns:a16="http://schemas.microsoft.com/office/drawing/2014/main" id="{9C2786AF-CE90-D422-2F64-1D1AD7C7AF0F}"/>
+              </a:ext>
+            </a:extLst>
+          </p:cNvPr>
+          <p:cNvPicPr>
+            <a:picLocks noChangeAspect="1"/>
+          </p:cNvPicPr>
+          <p:nvPr/>
+        </p:nvPicPr>
+        <p:blipFill rotWithShape="1">
+          <a:blip r:embed="rId2"/>
+          <a:srcRect l="53166"/>
+          <a:stretch/>
+        </p:blipFill>
+        <p:spPr>
+          <a:xfrm>
+            <a:off x="838200" y="4011216"/>
+            <a:ext cx="7234123" cy="2151737"/>
           </a:xfrm>
           <a:prstGeom prst="rect">
             <a:avLst/>
@@ -5413,10 +4983,145 @@
 </p:sld>
 </file>
 
+<file path=ppt/slides/slide9.xml><?xml version="1.0" encoding="utf-8"?>
+<p:sld xmlns:a="http://schemas.openxmlformats.org/drawingml/2006/main" xmlns:r="http://schemas.openxmlformats.org/officeDocument/2006/relationships" xmlns:p="http://schemas.openxmlformats.org/presentationml/2006/main">
+  <p:cSld>
+    <p:spTree>
+      <p:nvGrpSpPr>
+        <p:cNvPr id="1" name="">
+          <a:extLst>
+            <a:ext uri="{FF2B5EF4-FFF2-40B4-BE49-F238E27FC236}">
+              <a16:creationId xmlns:a16="http://schemas.microsoft.com/office/drawing/2014/main" id="{286AD982-6A43-7B01-9F2D-89DB25156BFD}"/>
+            </a:ext>
+          </a:extLst>
+        </p:cNvPr>
+        <p:cNvGrpSpPr/>
+        <p:nvPr/>
+      </p:nvGrpSpPr>
+      <p:grpSpPr>
+        <a:xfrm>
+          <a:off x="0" y="0"/>
+          <a:ext cx="0" cy="0"/>
+          <a:chOff x="0" y="0"/>
+          <a:chExt cx="0" cy="0"/>
+        </a:xfrm>
+      </p:grpSpPr>
+      <p:sp>
+        <p:nvSpPr>
+          <p:cNvPr id="2" name="Titel 1">
+            <a:extLst>
+              <a:ext uri="{FF2B5EF4-FFF2-40B4-BE49-F238E27FC236}">
+                <a16:creationId xmlns:a16="http://schemas.microsoft.com/office/drawing/2014/main" id="{17CD6A9E-DAB7-0E04-23D3-387301F828E0}"/>
+              </a:ext>
+            </a:extLst>
+          </p:cNvPr>
+          <p:cNvSpPr>
+            <a:spLocks noGrp="1"/>
+          </p:cNvSpPr>
+          <p:nvPr>
+            <p:ph type="ctrTitle"/>
+          </p:nvPr>
+        </p:nvSpPr>
+        <p:spPr>
+          <a:xfrm>
+            <a:off x="3453161" y="1041400"/>
+            <a:ext cx="4136753" cy="2387600"/>
+          </a:xfrm>
+        </p:spPr>
+        <p:txBody>
+          <a:bodyPr/>
+          <a:lstStyle/>
+          <a:p>
+            <a:pPr algn="l"/>
+            <a:r>
+              <a:rPr lang="de-AT" dirty="0"/>
+              <a:t>Stadt-Land-</a:t>
+            </a:r>
+            <a:r>
+              <a:rPr lang="de-AT" dirty="0">
+                <a:solidFill>
+                  <a:schemeClr val="bg1"/>
+                </a:solidFill>
+              </a:rPr>
+              <a:t>l</a:t>
+            </a:r>
+          </a:p>
+        </p:txBody>
+      </p:sp>
+      <p:sp>
+        <p:nvSpPr>
+          <p:cNvPr id="3" name="Untertitel 2">
+            <a:extLst>
+              <a:ext uri="{FF2B5EF4-FFF2-40B4-BE49-F238E27FC236}">
+                <a16:creationId xmlns:a16="http://schemas.microsoft.com/office/drawing/2014/main" id="{010F7B23-E1A3-F5FB-8E80-4A3EE496465F}"/>
+              </a:ext>
+            </a:extLst>
+          </p:cNvPr>
+          <p:cNvSpPr>
+            <a:spLocks noGrp="1"/>
+          </p:cNvSpPr>
+          <p:nvPr>
+            <p:ph type="subTitle" idx="1"/>
+          </p:nvPr>
+        </p:nvSpPr>
+        <p:spPr/>
+        <p:txBody>
+          <a:bodyPr/>
+          <a:lstStyle/>
+          <a:p>
+            <a:r>
+              <a:rPr lang="de-AT" dirty="0"/>
+              <a:t>Hahn, Klement, Pfarrhofer, Reisinger</a:t>
+            </a:r>
+          </a:p>
+        </p:txBody>
+      </p:sp>
+      <p:pic>
+        <p:nvPicPr>
+          <p:cNvPr id="6" name="Grafik 5" descr="Ein Bild, das Person, Menschliches Gesicht, Brille, Modeaccessoire enthält.&#10;&#10;Automatisch generierte Beschreibung">
+            <a:extLst>
+              <a:ext uri="{FF2B5EF4-FFF2-40B4-BE49-F238E27FC236}">
+                <a16:creationId xmlns:a16="http://schemas.microsoft.com/office/drawing/2014/main" id="{FD872DC0-D397-F95A-26A9-3E8BECB0774E}"/>
+              </a:ext>
+            </a:extLst>
+          </p:cNvPr>
+          <p:cNvPicPr>
+            <a:picLocks noChangeAspect="1"/>
+          </p:cNvPicPr>
+          <p:nvPr/>
+        </p:nvPicPr>
+        <p:blipFill rotWithShape="1">
+          <a:blip r:embed="rId2"/>
+          <a:srcRect t="31627" b="17348"/>
+          <a:stretch/>
+        </p:blipFill>
+        <p:spPr>
+          <a:xfrm>
+            <a:off x="7144565" y="1773238"/>
+            <a:ext cx="1825316" cy="1655762"/>
+          </a:xfrm>
+          <a:prstGeom prst="rect">
+            <a:avLst/>
+          </a:prstGeom>
+        </p:spPr>
+      </p:pic>
+    </p:spTree>
+    <p:extLst>
+      <p:ext uri="{BB962C8B-B14F-4D97-AF65-F5344CB8AC3E}">
+        <p14:creationId xmlns:p14="http://schemas.microsoft.com/office/powerpoint/2010/main" val="3222154704"/>
+      </p:ext>
+    </p:extLst>
+  </p:cSld>
+  <p:clrMapOvr>
+    <a:masterClrMapping/>
+  </p:clrMapOvr>
+</p:sld>
+</file>
+
 <file path=ppt/theme/theme1.xml><?xml version="1.0" encoding="utf-8"?>
-<a:theme xmlns:a="http://schemas.openxmlformats.org/drawingml/2006/main" name="Ausschnitt">
+<a:theme xmlns:a="http://schemas.openxmlformats.org/drawingml/2006/main" name="Office">
   <a:themeElements>
-    <a:clrScheme name="Ausschnitt">
+    <a:clrScheme name="Office">
       <a:dk1>
         <a:sysClr val="windowText" lastClr="000000"/>
       </a:dk1>
@@ -5424,48 +5129,83 @@
         <a:sysClr val="window" lastClr="FFFFFF"/>
       </a:lt1>
       <a:dk2>
-        <a:srgbClr val="191B0E"/>
+        <a:srgbClr val="44546A"/>
       </a:dk2>
       <a:lt2>
-        <a:srgbClr val="EFEDE3"/>
+        <a:srgbClr val="E7E6E6"/>
       </a:lt2>
       <a:accent1>
-        <a:srgbClr val="8C8D86"/>
+        <a:srgbClr val="29AF8C"/>
       </a:accent1>
       <a:accent2>
-        <a:srgbClr val="E6C069"/>
+        <a:srgbClr val="97BE49"/>
       </a:accent2>
       <a:accent3>
-        <a:srgbClr val="897B61"/>
+        <a:srgbClr val="3D9CCC"/>
       </a:accent3>
       <a:accent4>
-        <a:srgbClr val="8DAB8E"/>
+        <a:srgbClr val="7C60C6"/>
       </a:accent4>
       <a:accent5>
-        <a:srgbClr val="77A2BB"/>
+        <a:srgbClr val="C9492C"/>
       </a:accent5>
       <a:accent6>
-        <a:srgbClr val="E28394"/>
+        <a:srgbClr val="D58C2E"/>
       </a:accent6>
       <a:hlink>
-        <a:srgbClr val="77A2BB"/>
+        <a:srgbClr val="0563C1"/>
       </a:hlink>
       <a:folHlink>
-        <a:srgbClr val="957A99"/>
+        <a:srgbClr val="954F72"/>
       </a:folHlink>
     </a:clrScheme>
-    <a:fontScheme name="Ausschnitt">
+    <a:fontScheme name="Office">
       <a:majorFont>
-        <a:latin typeface="Franklin Gothic Book" panose="020B0503020102020204"/>
+        <a:latin typeface="Calibri Light" panose="020F0302020204030204"/>
         <a:ea typeface=""/>
         <a:cs typeface=""/>
-        <a:font script="Jpan" typeface="メイリオ"/>
-        <a:font script="Hang" typeface="돋움"/>
-        <a:font script="Hans" typeface="华文楷体"/>
-        <a:font script="Hant" typeface="微軟正黑體"/>
-        <a:font script="Arab" typeface="Tahoma"/>
-        <a:font script="Hebr" typeface="Aharoni"/>
-        <a:font script="Thai" typeface="LilyUPC"/>
+        <a:font script="Jpan" typeface="游ゴシック Light"/>
+        <a:font script="Hang" typeface="맑은 고딕"/>
+        <a:font script="Hans" typeface="等线 Light"/>
+        <a:font script="Hant" typeface="新細明體"/>
+        <a:font script="Arab" typeface="Times New Roman"/>
+        <a:font script="Hebr" typeface="Times New Roman"/>
+        <a:font script="Thai" typeface="Angsana New"/>
+        <a:font script="Ethi" typeface="Nyala"/>
+        <a:font script="Beng" typeface="Vrinda"/>
+        <a:font script="Gujr" typeface="Shruti"/>
+        <a:font script="Khmr" typeface="MoolBoran"/>
+        <a:font script="Knda" typeface="Tunga"/>
+        <a:font script="Guru" typeface="Raavi"/>
+        <a:font script="Cans" typeface="Euphemia"/>
+        <a:font script="Cher" typeface="Plantagenet Cherokee"/>
+        <a:font script="Yiii" typeface="Microsoft Yi Baiti"/>
+        <a:font script="Tibt" typeface="Microsoft Himalaya"/>
+        <a:font script="Thaa" typeface="MV Boli"/>
+        <a:font script="Deva" typeface="Mangal"/>
+        <a:font script="Telu" typeface="Gautami"/>
+        <a:font script="Taml" typeface="Latha"/>
+        <a:font script="Syrc" typeface="Estrangelo Edessa"/>
+        <a:font script="Orya" typeface="Kalinga"/>
+        <a:font script="Mlym" typeface="Kartika"/>
+        <a:font script="Laoo" typeface="DokChampa"/>
+        <a:font script="Sinh" typeface="Iskoola Pota"/>
+        <a:font script="Mong" typeface="Mongolian Baiti"/>
+        <a:font script="Viet" typeface="Times New Roman"/>
+        <a:font script="Uigh" typeface="Microsoft Uighur"/>
+        <a:font script="Geor" typeface="Sylfaen"/>
+      </a:majorFont>
+      <a:minorFont>
+        <a:latin typeface="Calibri" panose="020F0502020204030204"/>
+        <a:ea typeface=""/>
+        <a:cs typeface=""/>
+        <a:font script="Jpan" typeface="游ゴシック"/>
+        <a:font script="Hang" typeface="맑은 고딕"/>
+        <a:font script="Hans" typeface="等线"/>
+        <a:font script="Hant" typeface="新細明體"/>
+        <a:font script="Arab" typeface="Arial"/>
+        <a:font script="Hebr" typeface="Arial"/>
+        <a:font script="Thai" typeface="Cordia New"/>
         <a:font script="Ethi" typeface="Nyala"/>
         <a:font script="Beng" typeface="Vrinda"/>
         <a:font script="Gujr" typeface="Shruti"/>
@@ -5486,47 +5226,12 @@
         <a:font script="Laoo" typeface="DokChampa"/>
         <a:font script="Sinh" typeface="Iskoola Pota"/>
         <a:font script="Mong" typeface="Mongolian Baiti"/>
-        <a:font script="Viet" typeface="Tahoma"/>
-        <a:font script="Uigh" typeface="Microsoft Uighur"/>
-        <a:font script="Geor" typeface="Sylfaen"/>
-      </a:majorFont>
-      <a:minorFont>
-        <a:latin typeface="Franklin Gothic Book" panose="020B0503020102020204"/>
-        <a:ea typeface=""/>
-        <a:cs typeface=""/>
-        <a:font script="Jpan" typeface="メイリオ"/>
-        <a:font script="Hang" typeface="돋움"/>
-        <a:font script="Hans" typeface="华文楷体"/>
-        <a:font script="Hant" typeface="微軟正黑體"/>
-        <a:font script="Arab" typeface="Tahoma"/>
-        <a:font script="Hebr" typeface="Aharoni"/>
-        <a:font script="Thai" typeface="LilyUPC"/>
-        <a:font script="Ethi" typeface="Nyala"/>
-        <a:font script="Beng" typeface="Vrinda"/>
-        <a:font script="Gujr" typeface="Shruti"/>
-        <a:font script="Khmr" typeface="DaunPenh"/>
-        <a:font script="Knda" typeface="Tunga"/>
-        <a:font script="Guru" typeface="Raavi"/>
-        <a:font script="Cans" typeface="Euphemia"/>
-        <a:font script="Cher" typeface="Plantagenet Cherokee"/>
-        <a:font script="Yiii" typeface="Microsoft Yi Baiti"/>
-        <a:font script="Tibt" typeface="Microsoft Himalaya"/>
-        <a:font script="Thaa" typeface="MV Boli"/>
-        <a:font script="Deva" typeface="Mangal"/>
-        <a:font script="Telu" typeface="Gautami"/>
-        <a:font script="Taml" typeface="Latha"/>
-        <a:font script="Syrc" typeface="Estrangelo Edessa"/>
-        <a:font script="Orya" typeface="Kalinga"/>
-        <a:font script="Mlym" typeface="Kartika"/>
-        <a:font script="Laoo" typeface="DokChampa"/>
-        <a:font script="Sinh" typeface="Iskoola Pota"/>
-        <a:font script="Mong" typeface="Mongolian Baiti"/>
-        <a:font script="Viet" typeface="Tahoma"/>
+        <a:font script="Viet" typeface="Arial"/>
         <a:font script="Uigh" typeface="Microsoft Uighur"/>
         <a:font script="Geor" typeface="Sylfaen"/>
       </a:minorFont>
     </a:fontScheme>
-    <a:fmtScheme name="Ausschnitt">
+    <a:fmtScheme name="Office">
       <a:fillStyleLst>
         <a:solidFill>
           <a:schemeClr val="phClr"/>
@@ -5535,23 +5240,23 @@
           <a:gsLst>
             <a:gs pos="0">
               <a:schemeClr val="phClr">
+                <a:lumMod val="110000"/>
+                <a:satMod val="105000"/>
                 <a:tint val="67000"/>
-                <a:satMod val="105000"/>
-                <a:lumMod val="110000"/>
               </a:schemeClr>
             </a:gs>
             <a:gs pos="50000">
               <a:schemeClr val="phClr">
+                <a:lumMod val="105000"/>
+                <a:satMod val="103000"/>
                 <a:tint val="73000"/>
-                <a:satMod val="103000"/>
-                <a:lumMod val="105000"/>
               </a:schemeClr>
             </a:gs>
             <a:gs pos="100000">
               <a:schemeClr val="phClr">
+                <a:lumMod val="105000"/>
+                <a:satMod val="109000"/>
                 <a:tint val="81000"/>
-                <a:satMod val="109000"/>
-                <a:lumMod val="105000"/>
               </a:schemeClr>
             </a:gs>
           </a:gsLst>
@@ -5561,23 +5266,23 @@
           <a:gsLst>
             <a:gs pos="0">
               <a:schemeClr val="phClr">
-                <a:tint val="94000"/>
                 <a:satMod val="103000"/>
                 <a:lumMod val="102000"/>
+                <a:tint val="94000"/>
               </a:schemeClr>
             </a:gs>
             <a:gs pos="50000">
               <a:schemeClr val="phClr">
-                <a:shade val="100000"/>
                 <a:satMod val="110000"/>
                 <a:lumMod val="100000"/>
+                <a:shade val="100000"/>
               </a:schemeClr>
             </a:gs>
             <a:gs pos="100000">
               <a:schemeClr val="phClr">
+                <a:lumMod val="99000"/>
+                <a:satMod val="120000"/>
                 <a:shade val="78000"/>
-                <a:satMod val="120000"/>
-                <a:lumMod val="99000"/>
               </a:schemeClr>
             </a:gs>
           </a:gsLst>
@@ -5585,23 +5290,26 @@
         </a:gradFill>
       </a:fillStyleLst>
       <a:lnStyleLst>
-        <a:ln w="6350" cap="flat" cmpd="sng" algn="in">
+        <a:ln w="6350" cap="flat" cmpd="sng" algn="ctr">
           <a:solidFill>
             <a:schemeClr val="phClr"/>
           </a:solidFill>
           <a:prstDash val="solid"/>
+          <a:miter lim="800000"/>
         </a:ln>
-        <a:ln w="34925" cap="flat" cmpd="sng" algn="in">
+        <a:ln w="12700" cap="flat" cmpd="sng" algn="ctr">
           <a:solidFill>
             <a:schemeClr val="phClr"/>
           </a:solidFill>
           <a:prstDash val="solid"/>
+          <a:miter lim="800000"/>
         </a:ln>
-        <a:ln w="19050" cap="flat" cmpd="sng" algn="in">
+        <a:ln w="19050" cap="flat" cmpd="sng" algn="ctr">
           <a:solidFill>
             <a:schemeClr val="phClr"/>
           </a:solidFill>
           <a:prstDash val="solid"/>
+          <a:miter lim="800000"/>
         </a:ln>
       </a:lnStyleLst>
       <a:effectStyleLst>
@@ -5615,7 +5323,7 @@
           <a:effectLst>
             <a:outerShdw blurRad="57150" dist="19050" dir="5400000" algn="ctr" rotWithShape="0">
               <a:srgbClr val="000000">
-                <a:alpha val="35000"/>
+                <a:alpha val="63000"/>
               </a:srgbClr>
             </a:outerShdw>
           </a:effectLst>
@@ -5636,16 +5344,16 @@
             <a:gs pos="0">
               <a:schemeClr val="phClr">
                 <a:tint val="93000"/>
+                <a:satMod val="150000"/>
                 <a:shade val="98000"/>
-                <a:satMod val="150000"/>
                 <a:lumMod val="102000"/>
               </a:schemeClr>
             </a:gs>
             <a:gs pos="50000">
               <a:schemeClr val="phClr">
                 <a:tint val="98000"/>
+                <a:satMod val="130000"/>
                 <a:shade val="90000"/>
-                <a:satMod val="130000"/>
                 <a:lumMod val="103000"/>
               </a:schemeClr>
             </a:gs>
@@ -5665,7 +5373,7 @@
   <a:extraClrSchemeLst/>
   <a:extLst>
     <a:ext uri="{05A4C25C-085E-4340-85A3-A5531E510DB2}">
-      <thm15:themeFamily xmlns:thm15="http://schemas.microsoft.com/office/thememl/2012/main" name="Crop" id="{EC9488ED-E761-4D60-9AC4-764D1FE2C171}" vid="{CE19780C-D67D-4C13-9DE9-A52BC3BA51B4}"/>
+      <thm15:themeFamily xmlns:thm15="http://schemas.microsoft.com/office/thememl/2012/main" name="Office 2013 - 2022 Theme" id="{62F939B6-93AF-4DB8-9C6B-D6C7DFDC589F}" vid="{3E4F19A7-A959-40BB-972C-4880BAF8EB09}"/>
     </a:ext>
   </a:extLst>
 </a:theme>

--- a/Dokumentation/Präsentation.pptx
+++ b/Dokumentation/Präsentation.pptx
@@ -460,7 +460,7 @@
           <a:p>
             <a:fld id="{5CB0383F-276E-594D-B692-B1F3CB76A8CF}" type="datetimeFigureOut">
               <a:rPr lang="de-AT" smtClean="0"/>
-              <a:t>24.01.24</a:t>
+              <a:t>25.01.2024</a:t>
             </a:fld>
             <a:endParaRPr lang="de-AT"/>
           </a:p>
@@ -943,7 +943,7 @@
           <a:p>
             <a:fld id="{DE54C2E3-43D0-0F4B-95D2-FADEC5486F79}" type="datetimeFigureOut">
               <a:rPr lang="de-AT" smtClean="0"/>
-              <a:t>24.01.24</a:t>
+              <a:t>25.01.2024</a:t>
             </a:fld>
             <a:endParaRPr lang="de-AT"/>
           </a:p>
@@ -1113,7 +1113,7 @@
           <a:p>
             <a:fld id="{DE54C2E3-43D0-0F4B-95D2-FADEC5486F79}" type="datetimeFigureOut">
               <a:rPr lang="de-AT" smtClean="0"/>
-              <a:t>24.01.24</a:t>
+              <a:t>25.01.2024</a:t>
             </a:fld>
             <a:endParaRPr lang="de-AT"/>
           </a:p>
@@ -1293,7 +1293,7 @@
           <a:p>
             <a:fld id="{DE54C2E3-43D0-0F4B-95D2-FADEC5486F79}" type="datetimeFigureOut">
               <a:rPr lang="de-AT" smtClean="0"/>
-              <a:t>24.01.24</a:t>
+              <a:t>25.01.2024</a:t>
             </a:fld>
             <a:endParaRPr lang="de-AT"/>
           </a:p>
@@ -1463,7 +1463,7 @@
           <a:p>
             <a:fld id="{DE54C2E3-43D0-0F4B-95D2-FADEC5486F79}" type="datetimeFigureOut">
               <a:rPr lang="de-AT" smtClean="0"/>
-              <a:t>24.01.24</a:t>
+              <a:t>25.01.2024</a:t>
             </a:fld>
             <a:endParaRPr lang="de-AT"/>
           </a:p>
@@ -1709,7 +1709,7 @@
           <a:p>
             <a:fld id="{DE54C2E3-43D0-0F4B-95D2-FADEC5486F79}" type="datetimeFigureOut">
               <a:rPr lang="de-AT" smtClean="0"/>
-              <a:t>24.01.24</a:t>
+              <a:t>25.01.2024</a:t>
             </a:fld>
             <a:endParaRPr lang="de-AT"/>
           </a:p>
@@ -1941,7 +1941,7 @@
           <a:p>
             <a:fld id="{DE54C2E3-43D0-0F4B-95D2-FADEC5486F79}" type="datetimeFigureOut">
               <a:rPr lang="de-AT" smtClean="0"/>
-              <a:t>24.01.24</a:t>
+              <a:t>25.01.2024</a:t>
             </a:fld>
             <a:endParaRPr lang="de-AT"/>
           </a:p>
@@ -2308,7 +2308,7 @@
           <a:p>
             <a:fld id="{DE54C2E3-43D0-0F4B-95D2-FADEC5486F79}" type="datetimeFigureOut">
               <a:rPr lang="de-AT" smtClean="0"/>
-              <a:t>24.01.24</a:t>
+              <a:t>25.01.2024</a:t>
             </a:fld>
             <a:endParaRPr lang="de-AT"/>
           </a:p>
@@ -2426,7 +2426,7 @@
           <a:p>
             <a:fld id="{DE54C2E3-43D0-0F4B-95D2-FADEC5486F79}" type="datetimeFigureOut">
               <a:rPr lang="de-AT" smtClean="0"/>
-              <a:t>24.01.24</a:t>
+              <a:t>25.01.2024</a:t>
             </a:fld>
             <a:endParaRPr lang="de-AT"/>
           </a:p>
@@ -2521,7 +2521,7 @@
           <a:p>
             <a:fld id="{DE54C2E3-43D0-0F4B-95D2-FADEC5486F79}" type="datetimeFigureOut">
               <a:rPr lang="de-AT" smtClean="0"/>
-              <a:t>24.01.24</a:t>
+              <a:t>25.01.2024</a:t>
             </a:fld>
             <a:endParaRPr lang="de-AT"/>
           </a:p>
@@ -2798,7 +2798,7 @@
           <a:p>
             <a:fld id="{DE54C2E3-43D0-0F4B-95D2-FADEC5486F79}" type="datetimeFigureOut">
               <a:rPr lang="de-AT" smtClean="0"/>
-              <a:t>24.01.24</a:t>
+              <a:t>25.01.2024</a:t>
             </a:fld>
             <a:endParaRPr lang="de-AT"/>
           </a:p>
@@ -3055,7 +3055,7 @@
           <a:p>
             <a:fld id="{DE54C2E3-43D0-0F4B-95D2-FADEC5486F79}" type="datetimeFigureOut">
               <a:rPr lang="de-AT" smtClean="0"/>
-              <a:t>24.01.24</a:t>
+              <a:t>25.01.2024</a:t>
             </a:fld>
             <a:endParaRPr lang="de-AT"/>
           </a:p>
@@ -3268,7 +3268,7 @@
           <a:p>
             <a:fld id="{DE54C2E3-43D0-0F4B-95D2-FADEC5486F79}" type="datetimeFigureOut">
               <a:rPr lang="de-AT" smtClean="0"/>
-              <a:t>24.01.24</a:t>
+              <a:t>25.01.2024</a:t>
             </a:fld>
             <a:endParaRPr lang="de-AT"/>
           </a:p>
@@ -4510,9 +4510,10 @@
           <a:lstStyle/>
           <a:p>
             <a:r>
-              <a:rPr lang="de-AT" dirty="0"/>
+              <a:rPr lang="de-AT"/>
               <a:t>Score</a:t>
             </a:r>
+            <a:endParaRPr lang="de-AT" dirty="0"/>
           </a:p>
         </p:txBody>
       </p:sp>
@@ -4538,54 +4539,54 @@
           <a:lstStyle/>
           <a:p>
             <a:r>
-              <a:rPr lang="de-AT" dirty="0"/>
+              <a:rPr lang="de-AT"/>
               <a:t>Auswertung</a:t>
             </a:r>
           </a:p>
           <a:p>
             <a:pPr lvl="1"/>
             <a:r>
-              <a:rPr lang="de-AT" dirty="0"/>
+              <a:rPr lang="de-AT"/>
               <a:t>Einzigartig - 10 Punkte</a:t>
             </a:r>
           </a:p>
           <a:p>
             <a:pPr lvl="1"/>
             <a:r>
-              <a:rPr lang="de-AT" dirty="0"/>
+              <a:rPr lang="de-AT"/>
               <a:t>Mehrfach vorhanden - 5 Punkte </a:t>
             </a:r>
           </a:p>
           <a:p>
             <a:pPr lvl="1"/>
             <a:r>
-              <a:rPr lang="de-AT" dirty="0"/>
+              <a:rPr lang="de-AT"/>
               <a:t>Nichts - 0 Punkte</a:t>
             </a:r>
           </a:p>
           <a:p>
             <a:r>
-              <a:rPr lang="de-AT" dirty="0"/>
+              <a:rPr lang="de-AT"/>
               <a:t>Spezialfelder „Vollpfosten“</a:t>
             </a:r>
           </a:p>
           <a:p>
             <a:pPr lvl="1"/>
             <a:r>
-              <a:rPr lang="de-AT" dirty="0"/>
+              <a:rPr lang="de-AT"/>
               <a:t>2x Punktezahl</a:t>
             </a:r>
           </a:p>
           <a:p>
             <a:r>
-              <a:rPr lang="de-AT" dirty="0"/>
+              <a:rPr lang="de-AT"/>
               <a:t>Zukünftig:</a:t>
             </a:r>
           </a:p>
           <a:p>
             <a:pPr lvl="1"/>
             <a:r>
-              <a:rPr lang="de-AT" dirty="0" err="1"/>
+              <a:rPr lang="de-AT"/>
               <a:t>Leaderboard</a:t>
             </a:r>
             <a:endParaRPr lang="de-AT" dirty="0"/>
@@ -4619,7 +4620,7 @@
         </p:blipFill>
         <p:spPr bwMode="auto">
           <a:xfrm>
-            <a:off x="9012503" y="1498865"/>
+            <a:off x="7783471" y="2071159"/>
             <a:ext cx="1960297" cy="3860270"/>
           </a:xfrm>
           <a:prstGeom prst="rect">
@@ -4635,6 +4636,36 @@
               </a14:hiddenFill>
             </a:ext>
           </a:extLst>
+        </p:spPr>
+      </p:pic>
+      <p:pic>
+        <p:nvPicPr>
+          <p:cNvPr id="5" name="Grafik 4">
+            <a:extLst>
+              <a:ext uri="{FF2B5EF4-FFF2-40B4-BE49-F238E27FC236}">
+                <a16:creationId xmlns:a16="http://schemas.microsoft.com/office/drawing/2014/main" id="{57CFECE5-AEFD-D499-5BE4-52A78D7A847A}"/>
+              </a:ext>
+            </a:extLst>
+          </p:cNvPr>
+          <p:cNvPicPr>
+            <a:picLocks noChangeAspect="1"/>
+          </p:cNvPicPr>
+          <p:nvPr/>
+        </p:nvPicPr>
+        <p:blipFill>
+          <a:blip r:embed="rId3"/>
+          <a:stretch>
+            <a:fillRect/>
+          </a:stretch>
+        </p:blipFill>
+        <p:spPr>
+          <a:xfrm>
+            <a:off x="3929499" y="453906"/>
+            <a:ext cx="8085521" cy="1371719"/>
+          </a:xfrm>
+          <a:prstGeom prst="rect">
+            <a:avLst/>
+          </a:prstGeom>
         </p:spPr>
       </p:pic>
     </p:spTree>

--- a/Dokumentation/Präsentation.pptx
+++ b/Dokumentation/Präsentation.pptx
@@ -3799,7 +3799,7 @@
           <a:p>
             <a:fld id="{5CB0383F-276E-594D-B692-B1F3CB76A8CF}" type="datetimeFigureOut">
               <a:rPr lang="de-AT" smtClean="0"/>
-              <a:t>29.01.2024</a:t>
+              <a:t>01.02.2024</a:t>
             </a:fld>
             <a:endParaRPr lang="de-AT"/>
           </a:p>
@@ -4288,7 +4288,7 @@
           <a:p>
             <a:fld id="{DE54C2E3-43D0-0F4B-95D2-FADEC5486F79}" type="datetimeFigureOut">
               <a:rPr lang="de-AT" smtClean="0"/>
-              <a:t>29.01.2024</a:t>
+              <a:t>01.02.2024</a:t>
             </a:fld>
             <a:endParaRPr lang="de-AT"/>
           </a:p>
@@ -4458,7 +4458,7 @@
           <a:p>
             <a:fld id="{DE54C2E3-43D0-0F4B-95D2-FADEC5486F79}" type="datetimeFigureOut">
               <a:rPr lang="de-AT" smtClean="0"/>
-              <a:t>29.01.2024</a:t>
+              <a:t>01.02.2024</a:t>
             </a:fld>
             <a:endParaRPr lang="de-AT"/>
           </a:p>
@@ -4638,7 +4638,7 @@
           <a:p>
             <a:fld id="{DE54C2E3-43D0-0F4B-95D2-FADEC5486F79}" type="datetimeFigureOut">
               <a:rPr lang="de-AT" smtClean="0"/>
-              <a:t>29.01.2024</a:t>
+              <a:t>01.02.2024</a:t>
             </a:fld>
             <a:endParaRPr lang="de-AT"/>
           </a:p>
@@ -4846,7 +4846,7 @@
           <a:p>
             <a:fld id="{DE54C2E3-43D0-0F4B-95D2-FADEC5486F79}" type="datetimeFigureOut">
               <a:rPr lang="de-AT" smtClean="0"/>
-              <a:t>29.01.2024</a:t>
+              <a:t>01.02.2024</a:t>
             </a:fld>
             <a:endParaRPr lang="de-AT"/>
           </a:p>
@@ -5092,7 +5092,7 @@
           <a:p>
             <a:fld id="{DE54C2E3-43D0-0F4B-95D2-FADEC5486F79}" type="datetimeFigureOut">
               <a:rPr lang="de-AT" smtClean="0"/>
-              <a:t>29.01.2024</a:t>
+              <a:t>01.02.2024</a:t>
             </a:fld>
             <a:endParaRPr lang="de-AT"/>
           </a:p>
@@ -5324,7 +5324,7 @@
           <a:p>
             <a:fld id="{DE54C2E3-43D0-0F4B-95D2-FADEC5486F79}" type="datetimeFigureOut">
               <a:rPr lang="de-AT" smtClean="0"/>
-              <a:t>29.01.2024</a:t>
+              <a:t>01.02.2024</a:t>
             </a:fld>
             <a:endParaRPr lang="de-AT"/>
           </a:p>
@@ -5691,7 +5691,7 @@
           <a:p>
             <a:fld id="{DE54C2E3-43D0-0F4B-95D2-FADEC5486F79}" type="datetimeFigureOut">
               <a:rPr lang="de-AT" smtClean="0"/>
-              <a:t>29.01.2024</a:t>
+              <a:t>01.02.2024</a:t>
             </a:fld>
             <a:endParaRPr lang="de-AT"/>
           </a:p>
@@ -5809,7 +5809,7 @@
           <a:p>
             <a:fld id="{DE54C2E3-43D0-0F4B-95D2-FADEC5486F79}" type="datetimeFigureOut">
               <a:rPr lang="de-AT" smtClean="0"/>
-              <a:t>29.01.2024</a:t>
+              <a:t>01.02.2024</a:t>
             </a:fld>
             <a:endParaRPr lang="de-AT"/>
           </a:p>
@@ -5904,7 +5904,7 @@
           <a:p>
             <a:fld id="{DE54C2E3-43D0-0F4B-95D2-FADEC5486F79}" type="datetimeFigureOut">
               <a:rPr lang="de-AT" smtClean="0"/>
-              <a:t>29.01.2024</a:t>
+              <a:t>01.02.2024</a:t>
             </a:fld>
             <a:endParaRPr lang="de-AT"/>
           </a:p>
@@ -6181,7 +6181,7 @@
           <a:p>
             <a:fld id="{DE54C2E3-43D0-0F4B-95D2-FADEC5486F79}" type="datetimeFigureOut">
               <a:rPr lang="de-AT" smtClean="0"/>
-              <a:t>29.01.2024</a:t>
+              <a:t>01.02.2024</a:t>
             </a:fld>
             <a:endParaRPr lang="de-AT"/>
           </a:p>
@@ -6438,7 +6438,7 @@
           <a:p>
             <a:fld id="{DE54C2E3-43D0-0F4B-95D2-FADEC5486F79}" type="datetimeFigureOut">
               <a:rPr lang="de-AT" smtClean="0"/>
-              <a:t>29.01.2024</a:t>
+              <a:t>01.02.2024</a:t>
             </a:fld>
             <a:endParaRPr lang="de-AT"/>
           </a:p>
@@ -6651,7 +6651,7 @@
           <a:p>
             <a:fld id="{DE54C2E3-43D0-0F4B-95D2-FADEC5486F79}" type="datetimeFigureOut">
               <a:rPr lang="de-AT" smtClean="0"/>
-              <a:t>29.01.2024</a:t>
+              <a:t>01.02.2024</a:t>
             </a:fld>
             <a:endParaRPr lang="de-AT"/>
           </a:p>
@@ -7660,15 +7660,7 @@
             <a:pPr algn="l"/>
             <a:r>
               <a:rPr lang="de-AT" dirty="0"/>
-              <a:t>Hahn Alexander, Klement Tobias, </a:t>
-            </a:r>
-            <a:r>
-              <a:rPr lang="de-AT" dirty="0" err="1"/>
-              <a:t>Pfarrhofer</a:t>
-            </a:r>
-            <a:r>
-              <a:rPr lang="de-AT" dirty="0"/>
-              <a:t> Phillip, Reisinger Raphael</a:t>
+              <a:t>Hahn Alexander, Klement Tobias, Pfarrhofer Philip, Reisinger Raphael</a:t>
             </a:r>
           </a:p>
         </p:txBody>

--- a/Dokumentation/Präsentation.pptx
+++ b/Dokumentation/Präsentation.pptx
@@ -160,6 +160,123 @@
     </p:ext>
   </p:extLst>
 </p:presentation>
+</file>
+
+<file path=ppt/changesInfos/changesInfo1.xml><?xml version="1.0" encoding="utf-8"?>
+<pc:chgInfo xmlns:a="http://schemas.openxmlformats.org/drawingml/2006/main" xmlns:r="http://schemas.openxmlformats.org/officeDocument/2006/relationships" xmlns:ac="http://schemas.microsoft.com/office/drawing/2013/main/command" xmlns:pc="http://schemas.microsoft.com/office/powerpoint/2013/main/command">
+  <pc:docChgLst>
+    <pc:chgData name="Alexander Hahn" userId="56d4792ddc6be58c" providerId="LiveId" clId="{9BBDECB3-8C9A-8845-A928-DFA9C3F8F673}"/>
+    <pc:docChg chg="custSel modSld">
+      <pc:chgData name="Alexander Hahn" userId="56d4792ddc6be58c" providerId="LiveId" clId="{9BBDECB3-8C9A-8845-A928-DFA9C3F8F673}" dt="2024-06-17T07:15:34.226" v="0" actId="26606"/>
+      <pc:docMkLst>
+        <pc:docMk/>
+      </pc:docMkLst>
+      <pc:sldChg chg="addSp delSp mod">
+        <pc:chgData name="Alexander Hahn" userId="56d4792ddc6be58c" providerId="LiveId" clId="{9BBDECB3-8C9A-8845-A928-DFA9C3F8F673}" dt="2024-06-17T07:15:34.226" v="0" actId="26606"/>
+        <pc:sldMkLst>
+          <pc:docMk/>
+          <pc:sldMk cId="1950791547" sldId="256"/>
+        </pc:sldMkLst>
+        <pc:spChg chg="del">
+          <ac:chgData name="Alexander Hahn" userId="56d4792ddc6be58c" providerId="LiveId" clId="{9BBDECB3-8C9A-8845-A928-DFA9C3F8F673}" dt="2024-06-17T07:15:34.226" v="0" actId="26606"/>
+          <ac:spMkLst>
+            <pc:docMk/>
+            <pc:sldMk cId="1950791547" sldId="256"/>
+            <ac:spMk id="8" creationId="{6F5A5072-7B47-4D32-B52A-4EBBF590B8A5}"/>
+          </ac:spMkLst>
+        </pc:spChg>
+        <pc:spChg chg="del">
+          <ac:chgData name="Alexander Hahn" userId="56d4792ddc6be58c" providerId="LiveId" clId="{9BBDECB3-8C9A-8845-A928-DFA9C3F8F673}" dt="2024-06-17T07:15:34.226" v="0" actId="26606"/>
+          <ac:spMkLst>
+            <pc:docMk/>
+            <pc:sldMk cId="1950791547" sldId="256"/>
+            <ac:spMk id="10" creationId="{9715DAF0-AE1B-46C9-8A6B-DB2AA05AB91D}"/>
+          </ac:spMkLst>
+        </pc:spChg>
+        <pc:spChg chg="del">
+          <ac:chgData name="Alexander Hahn" userId="56d4792ddc6be58c" providerId="LiveId" clId="{9BBDECB3-8C9A-8845-A928-DFA9C3F8F673}" dt="2024-06-17T07:15:34.226" v="0" actId="26606"/>
+          <ac:spMkLst>
+            <pc:docMk/>
+            <pc:sldMk cId="1950791547" sldId="256"/>
+            <ac:spMk id="12" creationId="{6016219D-510E-4184-9090-6D5578A87BD1}"/>
+          </ac:spMkLst>
+        </pc:spChg>
+        <pc:spChg chg="del">
+          <ac:chgData name="Alexander Hahn" userId="56d4792ddc6be58c" providerId="LiveId" clId="{9BBDECB3-8C9A-8845-A928-DFA9C3F8F673}" dt="2024-06-17T07:15:34.226" v="0" actId="26606"/>
+          <ac:spMkLst>
+            <pc:docMk/>
+            <pc:sldMk cId="1950791547" sldId="256"/>
+            <ac:spMk id="14" creationId="{AFF4A713-7B75-4B21-90D7-5AB19547C728}"/>
+          </ac:spMkLst>
+        </pc:spChg>
+        <pc:spChg chg="del">
+          <ac:chgData name="Alexander Hahn" userId="56d4792ddc6be58c" providerId="LiveId" clId="{9BBDECB3-8C9A-8845-A928-DFA9C3F8F673}" dt="2024-06-17T07:15:34.226" v="0" actId="26606"/>
+          <ac:spMkLst>
+            <pc:docMk/>
+            <pc:sldMk cId="1950791547" sldId="256"/>
+            <ac:spMk id="16" creationId="{DC631C0B-6DA6-4E57-8231-CE32B3434A7E}"/>
+          </ac:spMkLst>
+        </pc:spChg>
+        <pc:spChg chg="del">
+          <ac:chgData name="Alexander Hahn" userId="56d4792ddc6be58c" providerId="LiveId" clId="{9BBDECB3-8C9A-8845-A928-DFA9C3F8F673}" dt="2024-06-17T07:15:34.226" v="0" actId="26606"/>
+          <ac:spMkLst>
+            <pc:docMk/>
+            <pc:sldMk cId="1950791547" sldId="256"/>
+            <ac:spMk id="18" creationId="{C29501E6-A978-4A61-9689-9085AF97A53A}"/>
+          </ac:spMkLst>
+        </pc:spChg>
+        <pc:spChg chg="add">
+          <ac:chgData name="Alexander Hahn" userId="56d4792ddc6be58c" providerId="LiveId" clId="{9BBDECB3-8C9A-8845-A928-DFA9C3F8F673}" dt="2024-06-17T07:15:34.226" v="0" actId="26606"/>
+          <ac:spMkLst>
+            <pc:docMk/>
+            <pc:sldMk cId="1950791547" sldId="256"/>
+            <ac:spMk id="23" creationId="{6F5A5072-7B47-4D32-B52A-4EBBF590B8A5}"/>
+          </ac:spMkLst>
+        </pc:spChg>
+        <pc:spChg chg="add">
+          <ac:chgData name="Alexander Hahn" userId="56d4792ddc6be58c" providerId="LiveId" clId="{9BBDECB3-8C9A-8845-A928-DFA9C3F8F673}" dt="2024-06-17T07:15:34.226" v="0" actId="26606"/>
+          <ac:spMkLst>
+            <pc:docMk/>
+            <pc:sldMk cId="1950791547" sldId="256"/>
+            <ac:spMk id="25" creationId="{9715DAF0-AE1B-46C9-8A6B-DB2AA05AB91D}"/>
+          </ac:spMkLst>
+        </pc:spChg>
+        <pc:spChg chg="add">
+          <ac:chgData name="Alexander Hahn" userId="56d4792ddc6be58c" providerId="LiveId" clId="{9BBDECB3-8C9A-8845-A928-DFA9C3F8F673}" dt="2024-06-17T07:15:34.226" v="0" actId="26606"/>
+          <ac:spMkLst>
+            <pc:docMk/>
+            <pc:sldMk cId="1950791547" sldId="256"/>
+            <ac:spMk id="27" creationId="{6016219D-510E-4184-9090-6D5578A87BD1}"/>
+          </ac:spMkLst>
+        </pc:spChg>
+        <pc:spChg chg="add">
+          <ac:chgData name="Alexander Hahn" userId="56d4792ddc6be58c" providerId="LiveId" clId="{9BBDECB3-8C9A-8845-A928-DFA9C3F8F673}" dt="2024-06-17T07:15:34.226" v="0" actId="26606"/>
+          <ac:spMkLst>
+            <pc:docMk/>
+            <pc:sldMk cId="1950791547" sldId="256"/>
+            <ac:spMk id="29" creationId="{AFF4A713-7B75-4B21-90D7-5AB19547C728}"/>
+          </ac:spMkLst>
+        </pc:spChg>
+        <pc:spChg chg="add">
+          <ac:chgData name="Alexander Hahn" userId="56d4792ddc6be58c" providerId="LiveId" clId="{9BBDECB3-8C9A-8845-A928-DFA9C3F8F673}" dt="2024-06-17T07:15:34.226" v="0" actId="26606"/>
+          <ac:spMkLst>
+            <pc:docMk/>
+            <pc:sldMk cId="1950791547" sldId="256"/>
+            <ac:spMk id="31" creationId="{DC631C0B-6DA6-4E57-8231-CE32B3434A7E}"/>
+          </ac:spMkLst>
+        </pc:spChg>
+        <pc:spChg chg="add">
+          <ac:chgData name="Alexander Hahn" userId="56d4792ddc6be58c" providerId="LiveId" clId="{9BBDECB3-8C9A-8845-A928-DFA9C3F8F673}" dt="2024-06-17T07:15:34.226" v="0" actId="26606"/>
+          <ac:spMkLst>
+            <pc:docMk/>
+            <pc:sldMk cId="1950791547" sldId="256"/>
+            <ac:spMk id="33" creationId="{C29501E6-A978-4A61-9689-9085AF97A53A}"/>
+          </ac:spMkLst>
+        </pc:spChg>
+      </pc:sldChg>
+    </pc:docChg>
+  </pc:docChgLst>
+</pc:chgInfo>
 </file>
 
 <file path=ppt/diagrams/colors1.xml><?xml version="1.0" encoding="utf-8"?>
@@ -3799,7 +3916,7 @@
           <a:p>
             <a:fld id="{5CB0383F-276E-594D-B692-B1F3CB76A8CF}" type="datetimeFigureOut">
               <a:rPr lang="de-AT" smtClean="0"/>
-              <a:t>01.02.2024</a:t>
+              <a:t>17.06.24</a:t>
             </a:fld>
             <a:endParaRPr lang="de-AT"/>
           </a:p>
@@ -4288,7 +4405,7 @@
           <a:p>
             <a:fld id="{DE54C2E3-43D0-0F4B-95D2-FADEC5486F79}" type="datetimeFigureOut">
               <a:rPr lang="de-AT" smtClean="0"/>
-              <a:t>01.02.2024</a:t>
+              <a:t>17.06.24</a:t>
             </a:fld>
             <a:endParaRPr lang="de-AT"/>
           </a:p>
@@ -4458,7 +4575,7 @@
           <a:p>
             <a:fld id="{DE54C2E3-43D0-0F4B-95D2-FADEC5486F79}" type="datetimeFigureOut">
               <a:rPr lang="de-AT" smtClean="0"/>
-              <a:t>01.02.2024</a:t>
+              <a:t>17.06.24</a:t>
             </a:fld>
             <a:endParaRPr lang="de-AT"/>
           </a:p>
@@ -4638,7 +4755,7 @@
           <a:p>
             <a:fld id="{DE54C2E3-43D0-0F4B-95D2-FADEC5486F79}" type="datetimeFigureOut">
               <a:rPr lang="de-AT" smtClean="0"/>
-              <a:t>01.02.2024</a:t>
+              <a:t>17.06.24</a:t>
             </a:fld>
             <a:endParaRPr lang="de-AT"/>
           </a:p>
@@ -4846,7 +4963,7 @@
           <a:p>
             <a:fld id="{DE54C2E3-43D0-0F4B-95D2-FADEC5486F79}" type="datetimeFigureOut">
               <a:rPr lang="de-AT" smtClean="0"/>
-              <a:t>01.02.2024</a:t>
+              <a:t>17.06.24</a:t>
             </a:fld>
             <a:endParaRPr lang="de-AT"/>
           </a:p>
@@ -5092,7 +5209,7 @@
           <a:p>
             <a:fld id="{DE54C2E3-43D0-0F4B-95D2-FADEC5486F79}" type="datetimeFigureOut">
               <a:rPr lang="de-AT" smtClean="0"/>
-              <a:t>01.02.2024</a:t>
+              <a:t>17.06.24</a:t>
             </a:fld>
             <a:endParaRPr lang="de-AT"/>
           </a:p>
@@ -5324,7 +5441,7 @@
           <a:p>
             <a:fld id="{DE54C2E3-43D0-0F4B-95D2-FADEC5486F79}" type="datetimeFigureOut">
               <a:rPr lang="de-AT" smtClean="0"/>
-              <a:t>01.02.2024</a:t>
+              <a:t>17.06.24</a:t>
             </a:fld>
             <a:endParaRPr lang="de-AT"/>
           </a:p>
@@ -5691,7 +5808,7 @@
           <a:p>
             <a:fld id="{DE54C2E3-43D0-0F4B-95D2-FADEC5486F79}" type="datetimeFigureOut">
               <a:rPr lang="de-AT" smtClean="0"/>
-              <a:t>01.02.2024</a:t>
+              <a:t>17.06.24</a:t>
             </a:fld>
             <a:endParaRPr lang="de-AT"/>
           </a:p>
@@ -5809,7 +5926,7 @@
           <a:p>
             <a:fld id="{DE54C2E3-43D0-0F4B-95D2-FADEC5486F79}" type="datetimeFigureOut">
               <a:rPr lang="de-AT" smtClean="0"/>
-              <a:t>01.02.2024</a:t>
+              <a:t>17.06.24</a:t>
             </a:fld>
             <a:endParaRPr lang="de-AT"/>
           </a:p>
@@ -5904,7 +6021,7 @@
           <a:p>
             <a:fld id="{DE54C2E3-43D0-0F4B-95D2-FADEC5486F79}" type="datetimeFigureOut">
               <a:rPr lang="de-AT" smtClean="0"/>
-              <a:t>01.02.2024</a:t>
+              <a:t>17.06.24</a:t>
             </a:fld>
             <a:endParaRPr lang="de-AT"/>
           </a:p>
@@ -6181,7 +6298,7 @@
           <a:p>
             <a:fld id="{DE54C2E3-43D0-0F4B-95D2-FADEC5486F79}" type="datetimeFigureOut">
               <a:rPr lang="de-AT" smtClean="0"/>
-              <a:t>01.02.2024</a:t>
+              <a:t>17.06.24</a:t>
             </a:fld>
             <a:endParaRPr lang="de-AT"/>
           </a:p>
@@ -6438,7 +6555,7 @@
           <a:p>
             <a:fld id="{DE54C2E3-43D0-0F4B-95D2-FADEC5486F79}" type="datetimeFigureOut">
               <a:rPr lang="de-AT" smtClean="0"/>
-              <a:t>01.02.2024</a:t>
+              <a:t>17.06.24</a:t>
             </a:fld>
             <a:endParaRPr lang="de-AT"/>
           </a:p>
@@ -6651,7 +6768,7 @@
           <a:p>
             <a:fld id="{DE54C2E3-43D0-0F4B-95D2-FADEC5486F79}" type="datetimeFigureOut">
               <a:rPr lang="de-AT" smtClean="0"/>
-              <a:t>01.02.2024</a:t>
+              <a:t>17.06.24</a:t>
             </a:fld>
             <a:endParaRPr lang="de-AT"/>
           </a:p>
@@ -7071,7 +7188,7 @@
       </p:grpSpPr>
       <p:sp useBgFill="1">
         <p:nvSpPr>
-          <p:cNvPr id="8" name="Rectangle 7">
+          <p:cNvPr id="23" name="Rectangle 22">
             <a:extLst>
               <a:ext uri="{FF2B5EF4-FFF2-40B4-BE49-F238E27FC236}">
                 <a16:creationId xmlns:a16="http://schemas.microsoft.com/office/drawing/2014/main" id="{6F5A5072-7B47-4D32-B52A-4EBBF590B8A5}"/>
@@ -7147,7 +7264,7 @@
       </p:sp>
       <p:sp>
         <p:nvSpPr>
-          <p:cNvPr id="10" name="Rectangle 9">
+          <p:cNvPr id="25" name="Rectangle 24">
             <a:extLst>
               <a:ext uri="{FF2B5EF4-FFF2-40B4-BE49-F238E27FC236}">
                 <a16:creationId xmlns:a16="http://schemas.microsoft.com/office/drawing/2014/main" id="{9715DAF0-AE1B-46C9-8A6B-DB2AA05AB91D}"/>
@@ -7220,7 +7337,7 @@
       </p:sp>
       <p:sp>
         <p:nvSpPr>
-          <p:cNvPr id="12" name="Rectangle 11">
+          <p:cNvPr id="27" name="Rectangle 26">
             <a:extLst>
               <a:ext uri="{FF2B5EF4-FFF2-40B4-BE49-F238E27FC236}">
                 <a16:creationId xmlns:a16="http://schemas.microsoft.com/office/drawing/2014/main" id="{6016219D-510E-4184-9090-6D5578A87BD1}"/>
@@ -7296,7 +7413,7 @@
       </p:sp>
       <p:sp>
         <p:nvSpPr>
-          <p:cNvPr id="14" name="Rectangle 13">
+          <p:cNvPr id="29" name="Rectangle 28">
             <a:extLst>
               <a:ext uri="{FF2B5EF4-FFF2-40B4-BE49-F238E27FC236}">
                 <a16:creationId xmlns:a16="http://schemas.microsoft.com/office/drawing/2014/main" id="{AFF4A713-7B75-4B21-90D7-5AB19547C728}"/>
@@ -7371,7 +7488,7 @@
       </p:sp>
       <p:sp>
         <p:nvSpPr>
-          <p:cNvPr id="16" name="Rectangle 15">
+          <p:cNvPr id="31" name="Rectangle 30">
             <a:extLst>
               <a:ext uri="{FF2B5EF4-FFF2-40B4-BE49-F238E27FC236}">
                 <a16:creationId xmlns:a16="http://schemas.microsoft.com/office/drawing/2014/main" id="{DC631C0B-6DA6-4E57-8231-CE32B3434A7E}"/>
@@ -7447,7 +7564,7 @@
       </p:sp>
       <p:sp>
         <p:nvSpPr>
-          <p:cNvPr id="18" name="Freeform: Shape 17">
+          <p:cNvPr id="33" name="Freeform: Shape 32">
             <a:extLst>
               <a:ext uri="{FF2B5EF4-FFF2-40B4-BE49-F238E27FC236}">
                 <a16:creationId xmlns:a16="http://schemas.microsoft.com/office/drawing/2014/main" id="{C29501E6-A978-4A61-9689-9085AF97A53A}"/>
